--- a/Slides/Lesson 8.4 Binary Search.pptx
+++ b/Slides/Lesson 8.4 Binary Search.pptx
@@ -242,7 +242,7 @@
             <a:fld id="{CF8F25F6-E1EF-4065-8525-42EDEBD9BD22}" type="datetimeFigureOut">
               <a:rPr lang="en-US" smtClean="0"/>
               <a:pPr/>
-              <a:t>10/26/2015</a:t>
+              <a:t>10/23/2016</a:t>
             </a:fld>
             <a:endParaRPr lang="en-US"/>
           </a:p>
@@ -308,38 +308,37 @@
           <a:p>
             <a:pPr lvl="0"/>
             <a:r>
-              <a:rPr lang="en-US" smtClean="0"/>
+              <a:rPr lang="en-US"/>
               <a:t>Click to edit Master text styles</a:t>
             </a:r>
           </a:p>
           <a:p>
             <a:pPr lvl="1"/>
             <a:r>
-              <a:rPr lang="en-US" smtClean="0"/>
+              <a:rPr lang="en-US"/>
               <a:t>Second level</a:t>
             </a:r>
           </a:p>
           <a:p>
             <a:pPr lvl="2"/>
             <a:r>
-              <a:rPr lang="en-US" smtClean="0"/>
+              <a:rPr lang="en-US"/>
               <a:t>Third level</a:t>
             </a:r>
           </a:p>
           <a:p>
             <a:pPr lvl="3"/>
             <a:r>
-              <a:rPr lang="en-US" smtClean="0"/>
+              <a:rPr lang="en-US"/>
               <a:t>Fourth level</a:t>
             </a:r>
           </a:p>
           <a:p>
             <a:pPr lvl="4"/>
             <a:r>
-              <a:rPr lang="en-US" smtClean="0"/>
+              <a:rPr lang="en-US"/>
               <a:t>Fifth level</a:t>
             </a:r>
-            <a:endParaRPr lang="en-US"/>
           </a:p>
         </p:txBody>
       </p:sp>
@@ -559,7 +558,7 @@
           </a:bodyPr>
           <a:lstStyle/>
           <a:p>
-            <a:endParaRPr lang="en-US" dirty="0" smtClean="0"/>
+            <a:endParaRPr lang="en-US" dirty="0"/>
           </a:p>
         </p:txBody>
       </p:sp>
@@ -638,10 +637,9 @@
           <a:lstStyle/>
           <a:p>
             <a:r>
-              <a:rPr lang="en-US" smtClean="0"/>
+              <a:rPr lang="en-US"/>
               <a:t>Click to edit Master title style</a:t>
             </a:r>
-            <a:endParaRPr lang="en-US"/>
           </a:p>
         </p:txBody>
       </p:sp>
@@ -757,10 +755,9 @@
           </a:lstStyle>
           <a:p>
             <a:r>
-              <a:rPr lang="en-US" smtClean="0"/>
+              <a:rPr lang="en-US"/>
               <a:t>Click to edit Master subtitle style</a:t>
             </a:r>
-            <a:endParaRPr lang="en-US"/>
           </a:p>
         </p:txBody>
       </p:sp>
@@ -781,7 +778,7 @@
           <a:p>
             <a:fld id="{2F1F79F5-7BEC-496A-AFC7-876E38F64D71}" type="datetime1">
               <a:rPr lang="en-US" smtClean="0"/>
-              <a:t>10/26/2015</a:t>
+              <a:t>10/23/2016</a:t>
             </a:fld>
             <a:endParaRPr lang="en-US"/>
           </a:p>
@@ -839,13 +836,6 @@
   <p:clrMapOvr>
     <a:masterClrMapping/>
   </p:clrMapOvr>
-  <p:timing>
-    <p:tnLst>
-      <p:par>
-        <p:cTn id="1" dur="indefinite" restart="never" nodeType="tmRoot"/>
-      </p:par>
-    </p:tnLst>
-  </p:timing>
 </p:sldLayout>
 </file>
 
@@ -883,7 +873,7 @@
           <a:p>
             <a:fld id="{0A05703A-7669-4FEA-9056-25299B4D29D4}" type="datetime1">
               <a:rPr lang="en-US" smtClean="0"/>
-              <a:t>10/26/2015</a:t>
+              <a:t>10/23/2016</a:t>
             </a:fld>
             <a:endParaRPr lang="en-US"/>
           </a:p>
@@ -986,10 +976,9 @@
           </a:lstStyle>
           <a:p>
             <a:r>
-              <a:rPr lang="en-US" smtClean="0"/>
+              <a:rPr lang="en-US"/>
               <a:t>Click to edit Master title style</a:t>
             </a:r>
-            <a:endParaRPr lang="en-US"/>
           </a:p>
         </p:txBody>
       </p:sp>
@@ -1043,38 +1032,37 @@
           <a:p>
             <a:pPr lvl="0"/>
             <a:r>
-              <a:rPr lang="en-US" smtClean="0"/>
+              <a:rPr lang="en-US"/>
               <a:t>Click to edit Master text styles</a:t>
             </a:r>
           </a:p>
           <a:p>
             <a:pPr lvl="1"/>
             <a:r>
-              <a:rPr lang="en-US" smtClean="0"/>
+              <a:rPr lang="en-US"/>
               <a:t>Second level</a:t>
             </a:r>
           </a:p>
           <a:p>
             <a:pPr lvl="2"/>
             <a:r>
-              <a:rPr lang="en-US" smtClean="0"/>
+              <a:rPr lang="en-US"/>
               <a:t>Third level</a:t>
             </a:r>
           </a:p>
           <a:p>
             <a:pPr lvl="3"/>
             <a:r>
-              <a:rPr lang="en-US" smtClean="0"/>
+              <a:rPr lang="en-US"/>
               <a:t>Fourth level</a:t>
             </a:r>
           </a:p>
           <a:p>
             <a:pPr lvl="4"/>
             <a:r>
-              <a:rPr lang="en-US" smtClean="0"/>
+              <a:rPr lang="en-US"/>
               <a:t>Fifth level</a:t>
             </a:r>
-            <a:endParaRPr lang="en-US"/>
           </a:p>
         </p:txBody>
       </p:sp>
@@ -1137,7 +1125,7 @@
           <a:p>
             <a:pPr lvl="0"/>
             <a:r>
-              <a:rPr lang="en-US" smtClean="0"/>
+              <a:rPr lang="en-US"/>
               <a:t>Click to edit Master text styles</a:t>
             </a:r>
           </a:p>
@@ -1160,7 +1148,7 @@
           <a:p>
             <a:fld id="{6E5077B5-BB57-49DB-88CA-226A139E5C01}" type="datetime1">
               <a:rPr lang="en-US" smtClean="0"/>
-              <a:t>10/26/2015</a:t>
+              <a:t>10/23/2016</a:t>
             </a:fld>
             <a:endParaRPr lang="en-US"/>
           </a:p>
@@ -1263,10 +1251,9 @@
           </a:lstStyle>
           <a:p>
             <a:r>
-              <a:rPr lang="en-US" smtClean="0"/>
+              <a:rPr lang="en-US"/>
               <a:t>Click to edit Master title style</a:t>
             </a:r>
-            <a:endParaRPr lang="en-US"/>
           </a:p>
         </p:txBody>
       </p:sp>
@@ -1390,7 +1377,7 @@
           <a:p>
             <a:pPr lvl="0"/>
             <a:r>
-              <a:rPr lang="en-US" smtClean="0"/>
+              <a:rPr lang="en-US"/>
               <a:t>Click to edit Master text styles</a:t>
             </a:r>
           </a:p>
@@ -1413,7 +1400,7 @@
           <a:p>
             <a:fld id="{C48D9447-CBD6-49A1-89FD-8512A8CF8999}" type="datetime1">
               <a:rPr lang="en-US" smtClean="0"/>
-              <a:t>10/26/2015</a:t>
+              <a:t>10/23/2016</a:t>
             </a:fld>
             <a:endParaRPr lang="en-US"/>
           </a:p>
@@ -1507,10 +1494,9 @@
           <a:lstStyle/>
           <a:p>
             <a:r>
-              <a:rPr lang="en-US" smtClean="0"/>
+              <a:rPr lang="en-US"/>
               <a:t>Click to edit Master title style</a:t>
             </a:r>
-            <a:endParaRPr lang="en-US"/>
           </a:p>
         </p:txBody>
       </p:sp>
@@ -1531,38 +1517,37 @@
           <a:p>
             <a:pPr lvl="0"/>
             <a:r>
-              <a:rPr lang="en-US" smtClean="0"/>
+              <a:rPr lang="en-US"/>
               <a:t>Click to edit Master text styles</a:t>
             </a:r>
           </a:p>
           <a:p>
             <a:pPr lvl="1"/>
             <a:r>
-              <a:rPr lang="en-US" smtClean="0"/>
+              <a:rPr lang="en-US"/>
               <a:t>Second level</a:t>
             </a:r>
           </a:p>
           <a:p>
             <a:pPr lvl="2"/>
             <a:r>
-              <a:rPr lang="en-US" smtClean="0"/>
+              <a:rPr lang="en-US"/>
               <a:t>Third level</a:t>
             </a:r>
           </a:p>
           <a:p>
             <a:pPr lvl="3"/>
             <a:r>
-              <a:rPr lang="en-US" smtClean="0"/>
+              <a:rPr lang="en-US"/>
               <a:t>Fourth level</a:t>
             </a:r>
           </a:p>
           <a:p>
             <a:pPr lvl="4"/>
             <a:r>
-              <a:rPr lang="en-US" smtClean="0"/>
+              <a:rPr lang="en-US"/>
               <a:t>Fifth level</a:t>
             </a:r>
-            <a:endParaRPr lang="en-US"/>
           </a:p>
         </p:txBody>
       </p:sp>
@@ -1583,7 +1568,7 @@
           <a:p>
             <a:fld id="{A3639A2A-823D-48B7-9ACE-7FAF42870BA9}" type="datetime1">
               <a:rPr lang="en-US" smtClean="0"/>
-              <a:t>10/26/2015</a:t>
+              <a:t>10/23/2016</a:t>
             </a:fld>
             <a:endParaRPr lang="en-US"/>
           </a:p>
@@ -1682,10 +1667,9 @@
           <a:lstStyle/>
           <a:p>
             <a:r>
-              <a:rPr lang="en-US" smtClean="0"/>
+              <a:rPr lang="en-US"/>
               <a:t>Click to edit Master title style</a:t>
             </a:r>
-            <a:endParaRPr lang="en-US"/>
           </a:p>
         </p:txBody>
       </p:sp>
@@ -1711,38 +1695,37 @@
           <a:p>
             <a:pPr lvl="0"/>
             <a:r>
-              <a:rPr lang="en-US" smtClean="0"/>
+              <a:rPr lang="en-US"/>
               <a:t>Click to edit Master text styles</a:t>
             </a:r>
           </a:p>
           <a:p>
             <a:pPr lvl="1"/>
             <a:r>
-              <a:rPr lang="en-US" smtClean="0"/>
+              <a:rPr lang="en-US"/>
               <a:t>Second level</a:t>
             </a:r>
           </a:p>
           <a:p>
             <a:pPr lvl="2"/>
             <a:r>
-              <a:rPr lang="en-US" smtClean="0"/>
+              <a:rPr lang="en-US"/>
               <a:t>Third level</a:t>
             </a:r>
           </a:p>
           <a:p>
             <a:pPr lvl="3"/>
             <a:r>
-              <a:rPr lang="en-US" smtClean="0"/>
+              <a:rPr lang="en-US"/>
               <a:t>Fourth level</a:t>
             </a:r>
           </a:p>
           <a:p>
             <a:pPr lvl="4"/>
             <a:r>
-              <a:rPr lang="en-US" smtClean="0"/>
+              <a:rPr lang="en-US"/>
               <a:t>Fifth level</a:t>
             </a:r>
-            <a:endParaRPr lang="en-US"/>
           </a:p>
         </p:txBody>
       </p:sp>
@@ -1763,7 +1746,7 @@
           <a:p>
             <a:fld id="{ED1B6996-82E9-463C-972C-7B56056E426C}" type="datetime1">
               <a:rPr lang="en-US" smtClean="0"/>
-              <a:t>10/26/2015</a:t>
+              <a:t>10/23/2016</a:t>
             </a:fld>
             <a:endParaRPr lang="en-US"/>
           </a:p>
@@ -1863,10 +1846,9 @@
           <a:lstStyle/>
           <a:p>
             <a:r>
-              <a:rPr lang="en-US" dirty="0" smtClean="0"/>
+              <a:rPr lang="en-US" dirty="0"/>
               <a:t>Click to edit Master title style</a:t>
             </a:r>
-            <a:endParaRPr lang="en-US" dirty="0"/>
           </a:p>
         </p:txBody>
       </p:sp>
@@ -1887,38 +1869,37 @@
           <a:p>
             <a:pPr lvl="0"/>
             <a:r>
-              <a:rPr lang="en-US" smtClean="0"/>
+              <a:rPr lang="en-US"/>
               <a:t>Click to edit Master text styles</a:t>
             </a:r>
           </a:p>
           <a:p>
             <a:pPr lvl="1"/>
             <a:r>
-              <a:rPr lang="en-US" smtClean="0"/>
+              <a:rPr lang="en-US"/>
               <a:t>Second level</a:t>
             </a:r>
           </a:p>
           <a:p>
             <a:pPr lvl="2"/>
             <a:r>
-              <a:rPr lang="en-US" smtClean="0"/>
+              <a:rPr lang="en-US"/>
               <a:t>Third level</a:t>
             </a:r>
           </a:p>
           <a:p>
             <a:pPr lvl="3"/>
             <a:r>
-              <a:rPr lang="en-US" smtClean="0"/>
+              <a:rPr lang="en-US"/>
               <a:t>Fourth level</a:t>
             </a:r>
           </a:p>
           <a:p>
             <a:pPr lvl="4"/>
             <a:r>
-              <a:rPr lang="en-US" smtClean="0"/>
+              <a:rPr lang="en-US"/>
               <a:t>Fifth level</a:t>
             </a:r>
-            <a:endParaRPr lang="en-US"/>
           </a:p>
         </p:txBody>
       </p:sp>
@@ -1939,7 +1920,7 @@
           <a:p>
             <a:fld id="{E22ED4DA-448D-4BB1-B935-CC112220207B}" type="datetime1">
               <a:rPr lang="en-US" smtClean="0"/>
-              <a:t>10/26/2015</a:t>
+              <a:t>10/23/2016</a:t>
             </a:fld>
             <a:endParaRPr lang="en-US"/>
           </a:p>
@@ -1997,13 +1978,6 @@
   <p:clrMapOvr>
     <a:masterClrMapping/>
   </p:clrMapOvr>
-  <p:timing>
-    <p:tnLst>
-      <p:par>
-        <p:cTn id="1" dur="indefinite" restart="never" nodeType="tmRoot"/>
-      </p:par>
-    </p:tnLst>
-  </p:timing>
 </p:sldLayout>
 </file>
 
@@ -2040,10 +2014,9 @@
           <a:lstStyle/>
           <a:p>
             <a:r>
-              <a:rPr lang="en-US" smtClean="0"/>
+              <a:rPr lang="en-US"/>
               <a:t>Click to edit Master title style</a:t>
             </a:r>
-            <a:endParaRPr lang="en-US"/>
           </a:p>
         </p:txBody>
       </p:sp>
@@ -2069,38 +2042,37 @@
           <a:p>
             <a:pPr lvl="0"/>
             <a:r>
-              <a:rPr lang="en-US" dirty="0" smtClean="0"/>
+              <a:rPr lang="en-US" dirty="0"/>
               <a:t>Click to edit Master text styles</a:t>
             </a:r>
           </a:p>
           <a:p>
             <a:pPr lvl="1"/>
             <a:r>
-              <a:rPr lang="en-US" dirty="0" smtClean="0"/>
+              <a:rPr lang="en-US" dirty="0"/>
               <a:t>Second level</a:t>
             </a:r>
           </a:p>
           <a:p>
             <a:pPr lvl="2"/>
             <a:r>
-              <a:rPr lang="en-US" dirty="0" smtClean="0"/>
+              <a:rPr lang="en-US" dirty="0"/>
               <a:t>Third level</a:t>
             </a:r>
           </a:p>
           <a:p>
             <a:pPr lvl="3"/>
             <a:r>
-              <a:rPr lang="en-US" dirty="0" smtClean="0"/>
+              <a:rPr lang="en-US" dirty="0"/>
               <a:t>Fourth level</a:t>
             </a:r>
           </a:p>
           <a:p>
             <a:pPr lvl="4"/>
             <a:r>
-              <a:rPr lang="en-US" dirty="0" smtClean="0"/>
+              <a:rPr lang="en-US" dirty="0"/>
               <a:t>Fifth level</a:t>
             </a:r>
-            <a:endParaRPr lang="en-US" dirty="0"/>
           </a:p>
         </p:txBody>
       </p:sp>
@@ -2121,7 +2093,7 @@
           <a:p>
             <a:fld id="{E22ED4DA-448D-4BB1-B935-CC112220207B}" type="datetime1">
               <a:rPr lang="en-US" smtClean="0"/>
-              <a:t>10/26/2015</a:t>
+              <a:t>10/23/2016</a:t>
             </a:fld>
             <a:endParaRPr lang="en-US"/>
           </a:p>
@@ -2211,7 +2183,7 @@
           <a:lstStyle/>
           <a:p>
             <a:pPr algn="ctr"/>
-            <a:endParaRPr lang="en-US" dirty="0" smtClean="0">
+            <a:endParaRPr lang="en-US" dirty="0">
               <a:solidFill>
                 <a:schemeClr val="tx1"/>
               </a:solidFill>
@@ -2242,11 +2214,11 @@
           <a:lstStyle/>
           <a:p>
             <a:r>
-              <a:rPr lang="en-US" dirty="0" smtClean="0"/>
+              <a:rPr lang="en-US" dirty="0"/>
               <a:t>Resize video to this</a:t>
             </a:r>
             <a:r>
-              <a:rPr lang="en-US" baseline="0" dirty="0" smtClean="0"/>
+              <a:rPr lang="en-US" baseline="0" dirty="0"/>
               <a:t> box.</a:t>
             </a:r>
             <a:endParaRPr lang="en-US" dirty="0"/>
@@ -2263,13 +2235,6 @@
   <p:clrMapOvr>
     <a:masterClrMapping/>
   </p:clrMapOvr>
-  <p:timing>
-    <p:tnLst>
-      <p:par>
-        <p:cTn id="1" dur="indefinite" restart="never" nodeType="tmRoot"/>
-      </p:par>
-    </p:tnLst>
-  </p:timing>
 </p:sldLayout>
 </file>
 
@@ -2306,10 +2271,9 @@
           <a:lstStyle/>
           <a:p>
             <a:r>
-              <a:rPr lang="en-US" smtClean="0"/>
+              <a:rPr lang="en-US"/>
               <a:t>Click to edit Master title style</a:t>
             </a:r>
-            <a:endParaRPr lang="en-US"/>
           </a:p>
         </p:txBody>
       </p:sp>
@@ -2338,38 +2302,37 @@
           <a:p>
             <a:pPr lvl="0"/>
             <a:r>
-              <a:rPr lang="en-US" dirty="0" smtClean="0"/>
+              <a:rPr lang="en-US" dirty="0"/>
               <a:t>Click to edit Master text styles</a:t>
             </a:r>
           </a:p>
           <a:p>
             <a:pPr lvl="1"/>
             <a:r>
-              <a:rPr lang="en-US" dirty="0" smtClean="0"/>
+              <a:rPr lang="en-US" dirty="0"/>
               <a:t>Second level</a:t>
             </a:r>
           </a:p>
           <a:p>
             <a:pPr lvl="2"/>
             <a:r>
-              <a:rPr lang="en-US" dirty="0" smtClean="0"/>
+              <a:rPr lang="en-US" dirty="0"/>
               <a:t>Third level</a:t>
             </a:r>
           </a:p>
           <a:p>
             <a:pPr lvl="3"/>
             <a:r>
-              <a:rPr lang="en-US" dirty="0" smtClean="0"/>
+              <a:rPr lang="en-US" dirty="0"/>
               <a:t>Fourth level</a:t>
             </a:r>
           </a:p>
           <a:p>
             <a:pPr lvl="4"/>
             <a:r>
-              <a:rPr lang="en-US" dirty="0" smtClean="0"/>
+              <a:rPr lang="en-US" dirty="0"/>
               <a:t>Fifth level</a:t>
             </a:r>
-            <a:endParaRPr lang="en-US" dirty="0"/>
           </a:p>
         </p:txBody>
       </p:sp>
@@ -2390,7 +2353,7 @@
           <a:p>
             <a:fld id="{FF5D65A6-AB94-4435-B0B7-3743215FA46C}" type="datetime1">
               <a:rPr lang="en-US" smtClean="0"/>
-              <a:t>10/26/2015</a:t>
+              <a:t>10/23/2016</a:t>
             </a:fld>
             <a:endParaRPr lang="en-US"/>
           </a:p>
@@ -2448,13 +2411,6 @@
   <p:clrMapOvr>
     <a:masterClrMapping/>
   </p:clrMapOvr>
-  <p:timing>
-    <p:tnLst>
-      <p:par>
-        <p:cTn id="1" dur="indefinite" restart="never" nodeType="tmRoot"/>
-      </p:par>
-    </p:tnLst>
-  </p:timing>
 </p:sldLayout>
 </file>
 
@@ -2491,10 +2447,9 @@
           <a:lstStyle/>
           <a:p>
             <a:r>
-              <a:rPr lang="en-US" smtClean="0"/>
+              <a:rPr lang="en-US"/>
               <a:t>Click to edit Master title style</a:t>
             </a:r>
-            <a:endParaRPr lang="en-US"/>
           </a:p>
         </p:txBody>
       </p:sp>
@@ -2523,38 +2478,37 @@
           <a:p>
             <a:pPr lvl="0"/>
             <a:r>
-              <a:rPr lang="en-US" dirty="0" smtClean="0"/>
+              <a:rPr lang="en-US" dirty="0"/>
               <a:t>Click to edit Master text styles</a:t>
             </a:r>
           </a:p>
           <a:p>
             <a:pPr lvl="1"/>
             <a:r>
-              <a:rPr lang="en-US" dirty="0" smtClean="0"/>
+              <a:rPr lang="en-US" dirty="0"/>
               <a:t>Second level</a:t>
             </a:r>
           </a:p>
           <a:p>
             <a:pPr lvl="2"/>
             <a:r>
-              <a:rPr lang="en-US" dirty="0" smtClean="0"/>
+              <a:rPr lang="en-US" dirty="0"/>
               <a:t>Third level</a:t>
             </a:r>
           </a:p>
           <a:p>
             <a:pPr lvl="3"/>
             <a:r>
-              <a:rPr lang="en-US" dirty="0" smtClean="0"/>
+              <a:rPr lang="en-US" dirty="0"/>
               <a:t>Fourth level</a:t>
             </a:r>
           </a:p>
           <a:p>
             <a:pPr lvl="4"/>
             <a:r>
-              <a:rPr lang="en-US" dirty="0" smtClean="0"/>
+              <a:rPr lang="en-US" dirty="0"/>
               <a:t>Fifth level</a:t>
             </a:r>
-            <a:endParaRPr lang="en-US" dirty="0"/>
           </a:p>
         </p:txBody>
       </p:sp>
@@ -2575,7 +2529,7 @@
           <a:p>
             <a:fld id="{FF5D65A6-AB94-4435-B0B7-3743215FA46C}" type="datetime1">
               <a:rPr lang="en-US" smtClean="0"/>
-              <a:t>10/26/2015</a:t>
+              <a:t>10/23/2016</a:t>
             </a:fld>
             <a:endParaRPr lang="en-US"/>
           </a:p>
@@ -2682,13 +2636,6 @@
   <p:clrMapOvr>
     <a:masterClrMapping/>
   </p:clrMapOvr>
-  <p:timing>
-    <p:tnLst>
-      <p:par>
-        <p:cTn id="1" dur="indefinite" restart="never" nodeType="tmRoot"/>
-      </p:par>
-    </p:tnLst>
-  </p:timing>
 </p:sldLayout>
 </file>
 
@@ -2734,10 +2681,9 @@
           </a:lstStyle>
           <a:p>
             <a:r>
-              <a:rPr lang="en-US" smtClean="0"/>
+              <a:rPr lang="en-US"/>
               <a:t>Click to edit Master title style</a:t>
             </a:r>
-            <a:endParaRPr lang="en-US"/>
           </a:p>
         </p:txBody>
       </p:sp>
@@ -2854,7 +2800,7 @@
           <a:p>
             <a:pPr lvl="0"/>
             <a:r>
-              <a:rPr lang="en-US" smtClean="0"/>
+              <a:rPr lang="en-US"/>
               <a:t>Click to edit Master text styles</a:t>
             </a:r>
           </a:p>
@@ -2877,7 +2823,7 @@
           <a:p>
             <a:fld id="{7C193DC4-6EF0-48C9-B29C-616106A645E1}" type="datetime1">
               <a:rPr lang="en-US" smtClean="0"/>
-              <a:t>10/26/2015</a:t>
+              <a:t>10/23/2016</a:t>
             </a:fld>
             <a:endParaRPr lang="en-US"/>
           </a:p>
@@ -2971,10 +2917,9 @@
           <a:lstStyle/>
           <a:p>
             <a:r>
-              <a:rPr lang="en-US" smtClean="0"/>
+              <a:rPr lang="en-US"/>
               <a:t>Click to edit Master title style</a:t>
             </a:r>
-            <a:endParaRPr lang="en-US"/>
           </a:p>
         </p:txBody>
       </p:sp>
@@ -3028,38 +2973,37 @@
           <a:p>
             <a:pPr lvl="0"/>
             <a:r>
-              <a:rPr lang="en-US" smtClean="0"/>
+              <a:rPr lang="en-US"/>
               <a:t>Click to edit Master text styles</a:t>
             </a:r>
           </a:p>
           <a:p>
             <a:pPr lvl="1"/>
             <a:r>
-              <a:rPr lang="en-US" smtClean="0"/>
+              <a:rPr lang="en-US"/>
               <a:t>Second level</a:t>
             </a:r>
           </a:p>
           <a:p>
             <a:pPr lvl="2"/>
             <a:r>
-              <a:rPr lang="en-US" smtClean="0"/>
+              <a:rPr lang="en-US"/>
               <a:t>Third level</a:t>
             </a:r>
           </a:p>
           <a:p>
             <a:pPr lvl="3"/>
             <a:r>
-              <a:rPr lang="en-US" smtClean="0"/>
+              <a:rPr lang="en-US"/>
               <a:t>Fourth level</a:t>
             </a:r>
           </a:p>
           <a:p>
             <a:pPr lvl="4"/>
             <a:r>
-              <a:rPr lang="en-US" smtClean="0"/>
+              <a:rPr lang="en-US"/>
               <a:t>Fifth level</a:t>
             </a:r>
-            <a:endParaRPr lang="en-US"/>
           </a:p>
         </p:txBody>
       </p:sp>
@@ -3113,38 +3057,37 @@
           <a:p>
             <a:pPr lvl="0"/>
             <a:r>
-              <a:rPr lang="en-US" smtClean="0"/>
+              <a:rPr lang="en-US"/>
               <a:t>Click to edit Master text styles</a:t>
             </a:r>
           </a:p>
           <a:p>
             <a:pPr lvl="1"/>
             <a:r>
-              <a:rPr lang="en-US" smtClean="0"/>
+              <a:rPr lang="en-US"/>
               <a:t>Second level</a:t>
             </a:r>
           </a:p>
           <a:p>
             <a:pPr lvl="2"/>
             <a:r>
-              <a:rPr lang="en-US" smtClean="0"/>
+              <a:rPr lang="en-US"/>
               <a:t>Third level</a:t>
             </a:r>
           </a:p>
           <a:p>
             <a:pPr lvl="3"/>
             <a:r>
-              <a:rPr lang="en-US" smtClean="0"/>
+              <a:rPr lang="en-US"/>
               <a:t>Fourth level</a:t>
             </a:r>
           </a:p>
           <a:p>
             <a:pPr lvl="4"/>
             <a:r>
-              <a:rPr lang="en-US" smtClean="0"/>
+              <a:rPr lang="en-US"/>
               <a:t>Fifth level</a:t>
             </a:r>
-            <a:endParaRPr lang="en-US"/>
           </a:p>
         </p:txBody>
       </p:sp>
@@ -3165,7 +3108,7 @@
           <a:p>
             <a:fld id="{5D1846AD-9252-4647-9435-4C2AC365653A}" type="datetime1">
               <a:rPr lang="en-US" smtClean="0"/>
-              <a:t>10/26/2015</a:t>
+              <a:t>10/23/2016</a:t>
             </a:fld>
             <a:endParaRPr lang="en-US"/>
           </a:p>
@@ -3263,10 +3206,9 @@
           </a:lstStyle>
           <a:p>
             <a:r>
-              <a:rPr lang="en-US" smtClean="0"/>
+              <a:rPr lang="en-US"/>
               <a:t>Click to edit Master title style</a:t>
             </a:r>
-            <a:endParaRPr lang="en-US"/>
           </a:p>
         </p:txBody>
       </p:sp>
@@ -3329,7 +3271,7 @@
           <a:p>
             <a:pPr lvl="0"/>
             <a:r>
-              <a:rPr lang="en-US" smtClean="0"/>
+              <a:rPr lang="en-US"/>
               <a:t>Click to edit Master text styles</a:t>
             </a:r>
           </a:p>
@@ -3385,38 +3327,37 @@
           <a:p>
             <a:pPr lvl="0"/>
             <a:r>
-              <a:rPr lang="en-US" smtClean="0"/>
+              <a:rPr lang="en-US"/>
               <a:t>Click to edit Master text styles</a:t>
             </a:r>
           </a:p>
           <a:p>
             <a:pPr lvl="1"/>
             <a:r>
-              <a:rPr lang="en-US" smtClean="0"/>
+              <a:rPr lang="en-US"/>
               <a:t>Second level</a:t>
             </a:r>
           </a:p>
           <a:p>
             <a:pPr lvl="2"/>
             <a:r>
-              <a:rPr lang="en-US" smtClean="0"/>
+              <a:rPr lang="en-US"/>
               <a:t>Third level</a:t>
             </a:r>
           </a:p>
           <a:p>
             <a:pPr lvl="3"/>
             <a:r>
-              <a:rPr lang="en-US" smtClean="0"/>
+              <a:rPr lang="en-US"/>
               <a:t>Fourth level</a:t>
             </a:r>
           </a:p>
           <a:p>
             <a:pPr lvl="4"/>
             <a:r>
-              <a:rPr lang="en-US" smtClean="0"/>
+              <a:rPr lang="en-US"/>
               <a:t>Fifth level</a:t>
             </a:r>
-            <a:endParaRPr lang="en-US"/>
           </a:p>
         </p:txBody>
       </p:sp>
@@ -3479,7 +3420,7 @@
           <a:p>
             <a:pPr lvl="0"/>
             <a:r>
-              <a:rPr lang="en-US" smtClean="0"/>
+              <a:rPr lang="en-US"/>
               <a:t>Click to edit Master text styles</a:t>
             </a:r>
           </a:p>
@@ -3535,38 +3476,37 @@
           <a:p>
             <a:pPr lvl="0"/>
             <a:r>
-              <a:rPr lang="en-US" smtClean="0"/>
+              <a:rPr lang="en-US"/>
               <a:t>Click to edit Master text styles</a:t>
             </a:r>
           </a:p>
           <a:p>
             <a:pPr lvl="1"/>
             <a:r>
-              <a:rPr lang="en-US" smtClean="0"/>
+              <a:rPr lang="en-US"/>
               <a:t>Second level</a:t>
             </a:r>
           </a:p>
           <a:p>
             <a:pPr lvl="2"/>
             <a:r>
-              <a:rPr lang="en-US" smtClean="0"/>
+              <a:rPr lang="en-US"/>
               <a:t>Third level</a:t>
             </a:r>
           </a:p>
           <a:p>
             <a:pPr lvl="3"/>
             <a:r>
-              <a:rPr lang="en-US" smtClean="0"/>
+              <a:rPr lang="en-US"/>
               <a:t>Fourth level</a:t>
             </a:r>
           </a:p>
           <a:p>
             <a:pPr lvl="4"/>
             <a:r>
-              <a:rPr lang="en-US" smtClean="0"/>
+              <a:rPr lang="en-US"/>
               <a:t>Fifth level</a:t>
             </a:r>
-            <a:endParaRPr lang="en-US"/>
           </a:p>
         </p:txBody>
       </p:sp>
@@ -3587,7 +3527,7 @@
           <a:p>
             <a:fld id="{CE56DC10-3561-4063-A6AF-C1CC7A41040A}" type="datetime1">
               <a:rPr lang="en-US" smtClean="0"/>
-              <a:t>10/26/2015</a:t>
+              <a:t>10/23/2016</a:t>
             </a:fld>
             <a:endParaRPr lang="en-US"/>
           </a:p>
@@ -3681,10 +3621,9 @@
           <a:lstStyle/>
           <a:p>
             <a:r>
-              <a:rPr lang="en-US" smtClean="0"/>
+              <a:rPr lang="en-US"/>
               <a:t>Click to edit Master title style</a:t>
             </a:r>
-            <a:endParaRPr lang="en-US"/>
           </a:p>
         </p:txBody>
       </p:sp>
@@ -3705,7 +3644,7 @@
           <a:p>
             <a:fld id="{2F7B77F5-1464-4F6B-92A8-64FC8A508293}" type="datetime1">
               <a:rPr lang="en-US" smtClean="0"/>
-              <a:t>10/26/2015</a:t>
+              <a:t>10/23/2016</a:t>
             </a:fld>
             <a:endParaRPr lang="en-US"/>
           </a:p>
@@ -3763,13 +3702,6 @@
   <p:clrMapOvr>
     <a:masterClrMapping/>
   </p:clrMapOvr>
-  <p:timing>
-    <p:tnLst>
-      <p:par>
-        <p:cTn id="1" dur="indefinite" restart="never" nodeType="tmRoot"/>
-      </p:par>
-    </p:tnLst>
-  </p:timing>
 </p:sldLayout>
 </file>
 
@@ -3833,10 +3765,9 @@
           <a:lstStyle/>
           <a:p>
             <a:r>
-              <a:rPr lang="en-US" smtClean="0"/>
+              <a:rPr lang="en-US"/>
               <a:t>Click to edit Master title style</a:t>
             </a:r>
-            <a:endParaRPr lang="en-US"/>
           </a:p>
         </p:txBody>
       </p:sp>
@@ -3867,38 +3798,37 @@
           <a:p>
             <a:pPr lvl="0"/>
             <a:r>
-              <a:rPr lang="en-US" smtClean="0"/>
+              <a:rPr lang="en-US"/>
               <a:t>Click to edit Master text styles</a:t>
             </a:r>
           </a:p>
           <a:p>
             <a:pPr lvl="1"/>
             <a:r>
-              <a:rPr lang="en-US" smtClean="0"/>
+              <a:rPr lang="en-US"/>
               <a:t>Second level</a:t>
             </a:r>
           </a:p>
           <a:p>
             <a:pPr lvl="2"/>
             <a:r>
-              <a:rPr lang="en-US" smtClean="0"/>
+              <a:rPr lang="en-US"/>
               <a:t>Third level</a:t>
             </a:r>
           </a:p>
           <a:p>
             <a:pPr lvl="3"/>
             <a:r>
-              <a:rPr lang="en-US" smtClean="0"/>
+              <a:rPr lang="en-US"/>
               <a:t>Fourth level</a:t>
             </a:r>
           </a:p>
           <a:p>
             <a:pPr lvl="4"/>
             <a:r>
-              <a:rPr lang="en-US" smtClean="0"/>
+              <a:rPr lang="en-US"/>
               <a:t>Fifth level</a:t>
             </a:r>
-            <a:endParaRPr lang="en-US"/>
           </a:p>
         </p:txBody>
       </p:sp>
@@ -3937,7 +3867,7 @@
           <a:p>
             <a:fld id="{02B3F677-983B-48DB-ADFD-63FE6CBC7FB2}" type="datetime1">
               <a:rPr lang="en-US" smtClean="0"/>
-              <a:t>10/26/2015</a:t>
+              <a:t>10/23/2016</a:t>
             </a:fld>
             <a:endParaRPr lang="en-US"/>
           </a:p>
@@ -4045,13 +3975,6 @@
     <p:sldLayoutId id="2147483673" r:id="rId13"/>
     <p:sldLayoutId id="2147483674" r:id="rId14"/>
   </p:sldLayoutIdLst>
-  <p:timing>
-    <p:tnLst>
-      <p:par>
-        <p:cTn id="1" dur="indefinite" restart="never" nodeType="tmRoot"/>
-      </p:par>
-    </p:tnLst>
-  </p:timing>
   <p:hf hdr="0" ftr="0" dt="0"/>
   <p:txStyles>
     <p:titleStyle>
@@ -4339,41 +4262,40 @@
           <a:lstStyle/>
           <a:p>
             <a:r>
-              <a:rPr lang="en-US" dirty="0" smtClean="0"/>
+              <a:rPr lang="en-US" dirty="0"/>
               <a:t>Binary Search</a:t>
             </a:r>
+          </a:p>
+        </p:txBody>
+      </p:sp>
+      <p:sp>
+        <p:nvSpPr>
+          <p:cNvPr id="3" name="Subtitle 2"/>
+          <p:cNvSpPr>
+            <a:spLocks noGrp="1"/>
+          </p:cNvSpPr>
+          <p:nvPr>
+            <p:ph type="subTitle" idx="1"/>
+          </p:nvPr>
+        </p:nvSpPr>
+        <p:spPr/>
+        <p:txBody>
+          <a:bodyPr/>
+          <a:lstStyle/>
+          <a:p>
+            <a:r>
+              <a:rPr lang="en-US" dirty="0"/>
+              <a:t>CS 5010 Program Design Paradigms “Bootcamp”</a:t>
+            </a:r>
+          </a:p>
+          <a:p>
+            <a:r>
+              <a:rPr lang="en-US" dirty="0"/>
+              <a:t>Lesson 8.4</a:t>
+            </a:r>
+          </a:p>
+          <a:p>
             <a:endParaRPr lang="en-US" dirty="0"/>
-          </a:p>
-        </p:txBody>
-      </p:sp>
-      <p:sp>
-        <p:nvSpPr>
-          <p:cNvPr id="3" name="Subtitle 2"/>
-          <p:cNvSpPr>
-            <a:spLocks noGrp="1"/>
-          </p:cNvSpPr>
-          <p:nvPr>
-            <p:ph type="subTitle" idx="1"/>
-          </p:nvPr>
-        </p:nvSpPr>
-        <p:spPr/>
-        <p:txBody>
-          <a:bodyPr/>
-          <a:lstStyle/>
-          <a:p>
-            <a:r>
-              <a:rPr lang="en-US" dirty="0" smtClean="0"/>
-              <a:t>CS 5010 Program Design Paradigms “Bootcamp”</a:t>
-            </a:r>
-          </a:p>
-          <a:p>
-            <a:r>
-              <a:rPr lang="en-US" dirty="0" smtClean="0"/>
-              <a:t>Lesson 8.3</a:t>
-            </a:r>
-          </a:p>
-          <a:p>
-            <a:endParaRPr lang="en-US" dirty="0" smtClean="0"/>
           </a:p>
           <a:p>
             <a:endParaRPr lang="en-US" dirty="0"/>
@@ -4431,29 +4353,29 @@
           <a:lstStyle/>
           <a:p>
             <a:r>
-              <a:rPr lang="en-US" smtClean="0"/>
+              <a:rPr lang="en-US"/>
               <a:t>TexPoint fonts used in EMF. </a:t>
             </a:r>
           </a:p>
           <a:p>
             <a:r>
-              <a:rPr lang="en-US" smtClean="0"/>
+              <a:rPr lang="en-US"/>
               <a:t>Read the TexPoint manual before you delete this box.: </a:t>
             </a:r>
             <a:r>
-              <a:rPr lang="en-US" smtClean="0">
+              <a:rPr lang="en-US">
                 <a:latin typeface="CMMI10"/>
               </a:rPr>
               <a:t>A</a:t>
             </a:r>
             <a:r>
-              <a:rPr lang="en-US" smtClean="0">
+              <a:rPr lang="en-US">
                 <a:latin typeface="CMR10"/>
               </a:rPr>
               <a:t>A</a:t>
             </a:r>
             <a:r>
-              <a:rPr lang="en-US" smtClean="0">
+              <a:rPr lang="en-US">
                 <a:latin typeface="CMSY10ORIG"/>
               </a:rPr>
               <a:t>A</a:t>
@@ -4530,28 +4452,13 @@
             <a:p>
               <a:r>
                 <a:rPr lang="en-US" sz="1000" dirty="0"/>
-                <a:t>© Mitchell Wand, </a:t>
+                <a:t>© Mitchell Wand, 2012-2016</a:t>
               </a:r>
-              <a:r>
-                <a:rPr lang="en-US" sz="1000" dirty="0" smtClean="0"/>
-                <a:t>2012-2015</a:t>
-              </a:r>
-              <a:endParaRPr lang="en-US" sz="1000" dirty="0" smtClean="0"/>
             </a:p>
             <a:p>
               <a:r>
-                <a:rPr lang="en-US" sz="1000" dirty="0" smtClean="0"/>
+                <a:rPr lang="en-US" sz="1000" dirty="0"/>
                 <a:t>This work is licensed under a </a:t>
-              </a:r>
-              <a:r>
-                <a:rPr lang="en-US" altLang="en-US" sz="1000" dirty="0" smtClean="0">
-                  <a:solidFill>
-                    <a:srgbClr val="4374B7"/>
-                  </a:solidFill>
-                  <a:latin typeface="Helvetica Neue"/>
-                  <a:hlinkClick r:id="rId5"/>
-                </a:rPr>
-                <a:t>Creative </a:t>
               </a:r>
               <a:r>
                 <a:rPr lang="en-US" altLang="en-US" sz="1000" dirty="0">
@@ -4561,7 +4468,7 @@
                   <a:latin typeface="Helvetica Neue"/>
                   <a:hlinkClick r:id="rId5"/>
                 </a:rPr>
-                <a:t>Commons Attribution-</a:t>
+                <a:t>Creative Commons Attribution-</a:t>
               </a:r>
               <a:r>
                 <a:rPr lang="en-US" altLang="en-US" sz="1000" dirty="0" err="1">
@@ -4584,10 +4491,9 @@
                 <a:t> 4.0 International License</a:t>
               </a:r>
               <a:r>
-                <a:rPr lang="en-US" sz="1000" dirty="0" smtClean="0"/>
+                <a:rPr lang="en-US" sz="1000" dirty="0"/>
                 <a:t>.</a:t>
               </a:r>
-              <a:endParaRPr lang="en-US" sz="1000" dirty="0"/>
             </a:p>
           </p:txBody>
         </p:sp>
@@ -4602,13 +4508,6 @@
   <p:clrMapOvr>
     <a:masterClrMapping/>
   </p:clrMapOvr>
-  <p:timing>
-    <p:tnLst>
-      <p:par>
-        <p:cTn id="1" dur="indefinite" restart="never" nodeType="tmRoot"/>
-      </p:par>
-    </p:tnLst>
-  </p:timing>
 </p:sld>
 </file>
 
@@ -4645,10 +4544,9 @@
           <a:lstStyle/>
           <a:p>
             <a:r>
-              <a:rPr lang="en-US" dirty="0" smtClean="0"/>
+              <a:rPr lang="en-US" dirty="0"/>
               <a:t>What if the search range is larger?</a:t>
             </a:r>
-            <a:endParaRPr lang="en-US" dirty="0"/>
           </a:p>
         </p:txBody>
       </p:sp>
@@ -4668,97 +4566,88 @@
           <a:lstStyle/>
           <a:p>
             <a:r>
-              <a:rPr lang="en-US" dirty="0" smtClean="0"/>
+              <a:rPr lang="en-US" dirty="0"/>
               <a:t>Insight of binary search: divide it in half.</a:t>
             </a:r>
           </a:p>
           <a:p>
             <a:r>
-              <a:rPr lang="en-US" dirty="0" smtClean="0"/>
+              <a:rPr lang="en-US" dirty="0"/>
               <a:t>At this point we know that lo &lt; hi.</a:t>
             </a:r>
           </a:p>
           <a:p>
             <a:r>
-              <a:rPr lang="en-US" dirty="0" smtClean="0"/>
+              <a:rPr lang="en-US" dirty="0"/>
               <a:t>Choose a midpoint </a:t>
             </a:r>
             <a:r>
-              <a:rPr lang="en-US" b="1" dirty="0" smtClean="0"/>
+              <a:rPr lang="en-US" b="1" dirty="0"/>
               <a:t>p</a:t>
             </a:r>
             <a:r>
-              <a:rPr lang="en-US" dirty="0" smtClean="0"/>
+              <a:rPr lang="en-US" dirty="0"/>
               <a:t> in [</a:t>
             </a:r>
             <a:r>
-              <a:rPr lang="en-US" b="1" dirty="0" err="1" smtClean="0"/>
+              <a:rPr lang="en-US" b="1" dirty="0" err="1"/>
               <a:t>lo,hi</a:t>
             </a:r>
             <a:r>
-              <a:rPr lang="en-US" dirty="0" smtClean="0"/>
-              <a:t>]</a:t>
-            </a:r>
-            <a:r>
-              <a:rPr lang="en-US" dirty="0"/>
-              <a:t> </a:t>
-            </a:r>
-            <a:r>
-              <a:rPr lang="en-US" dirty="0" smtClean="0"/>
-              <a:t>.</a:t>
-            </a:r>
-            <a:endParaRPr lang="en-US" b="1" dirty="0" smtClean="0"/>
+              <a:rPr lang="en-US" dirty="0"/>
+              <a:t>] .</a:t>
+            </a:r>
+            <a:endParaRPr lang="en-US" b="1" dirty="0"/>
           </a:p>
           <a:p>
             <a:pPr lvl="1"/>
             <a:r>
-              <a:rPr lang="en-US" b="1" dirty="0" smtClean="0"/>
+              <a:rPr lang="en-US" b="1" dirty="0"/>
               <a:t>p</a:t>
             </a:r>
             <a:r>
-              <a:rPr lang="en-US" dirty="0" smtClean="0"/>
+              <a:rPr lang="en-US" dirty="0"/>
               <a:t> doesn't have to be close to the center– any value in [</a:t>
             </a:r>
             <a:r>
-              <a:rPr lang="en-US" b="1" dirty="0" err="1" smtClean="0"/>
+              <a:rPr lang="en-US" b="1" dirty="0" err="1"/>
               <a:t>lo,hi</a:t>
             </a:r>
             <a:r>
-              <a:rPr lang="en-US" dirty="0" smtClean="0"/>
+              <a:rPr lang="en-US" dirty="0"/>
               <a:t>] will lead to a correct program</a:t>
             </a:r>
           </a:p>
           <a:p>
             <a:pPr lvl="1"/>
             <a:r>
-              <a:rPr lang="en-US" dirty="0" smtClean="0"/>
+              <a:rPr lang="en-US" dirty="0"/>
               <a:t>but choosing </a:t>
             </a:r>
             <a:r>
-              <a:rPr lang="en-US" b="1" dirty="0" smtClean="0"/>
+              <a:rPr lang="en-US" b="1" dirty="0"/>
               <a:t>p</a:t>
             </a:r>
             <a:r>
-              <a:rPr lang="en-US" dirty="0" smtClean="0"/>
+              <a:rPr lang="en-US" dirty="0"/>
               <a:t> to be near the center means that the search space is divided in half every time, so you'll only need about log₂(</a:t>
             </a:r>
             <a:r>
-              <a:rPr lang="en-US" b="1" dirty="0" smtClean="0"/>
+              <a:rPr lang="en-US" b="1" dirty="0"/>
               <a:t>hi</a:t>
             </a:r>
             <a:r>
-              <a:rPr lang="en-US" dirty="0" smtClean="0"/>
+              <a:rPr lang="en-US" dirty="0"/>
               <a:t>-</a:t>
             </a:r>
             <a:r>
-              <a:rPr lang="en-US" b="1" dirty="0" smtClean="0"/>
+              <a:rPr lang="en-US" b="1" dirty="0"/>
               <a:t>lo</a:t>
             </a:r>
             <a:r>
-              <a:rPr lang="en-US" dirty="0" smtClean="0"/>
+              <a:rPr lang="en-US" dirty="0"/>
               <a:t>) steps.</a:t>
             </a:r>
-            <a:endParaRPr lang="en-US" dirty="0"/>
           </a:p>
         </p:txBody>
       </p:sp>
@@ -4796,13 +4685,6 @@
   <p:clrMapOvr>
     <a:masterClrMapping/>
   </p:clrMapOvr>
-  <p:timing>
-    <p:tnLst>
-      <p:par>
-        <p:cTn id="1" dur="indefinite" restart="never" nodeType="tmRoot"/>
-      </p:par>
-    </p:tnLst>
-  </p:timing>
 </p:sld>
 </file>
 
@@ -4839,10 +4721,9 @@
           <a:lstStyle/>
           <a:p>
             <a:r>
-              <a:rPr lang="en-US" dirty="0" smtClean="0"/>
+              <a:rPr lang="en-US" dirty="0"/>
               <a:t>What are the cases?</a:t>
             </a:r>
-            <a:endParaRPr lang="en-US" dirty="0"/>
           </a:p>
         </p:txBody>
       </p:sp>
@@ -4864,99 +4745,83 @@
           <a:lstStyle/>
           <a:p>
             <a:r>
-              <a:rPr lang="en-US" dirty="0" smtClean="0"/>
+              <a:rPr lang="en-US" dirty="0"/>
               <a:t>f(p) &lt; </a:t>
             </a:r>
             <a:r>
-              <a:rPr lang="en-US" dirty="0" err="1" smtClean="0"/>
+              <a:rPr lang="en-US" dirty="0" err="1"/>
               <a:t>tgt</a:t>
             </a:r>
-            <a:endParaRPr lang="en-US" dirty="0" smtClean="0"/>
+            <a:endParaRPr lang="en-US" dirty="0"/>
           </a:p>
           <a:p>
             <a:pPr lvl="1"/>
             <a:r>
-              <a:rPr lang="en-US" dirty="0" smtClean="0"/>
-              <a:t>so we can rule out p, and all values less than p (because if p' &lt; p, f(p') </a:t>
-            </a:r>
-            <a:r>
-              <a:rPr lang="en-US" dirty="0"/>
-              <a:t>≤ </a:t>
-            </a:r>
-            <a:r>
-              <a:rPr lang="en-US" dirty="0" smtClean="0"/>
-              <a:t>f(p) &lt; </a:t>
-            </a:r>
-            <a:r>
-              <a:rPr lang="en-US" dirty="0" err="1" smtClean="0"/>
+              <a:rPr lang="en-US" dirty="0"/>
+              <a:t>so we can rule out p, and all values less than p (because if p' &lt; p, f(p') ≤ f(p) &lt; </a:t>
+            </a:r>
+            <a:r>
+              <a:rPr lang="en-US" dirty="0" err="1"/>
               <a:t>tgt</a:t>
             </a:r>
             <a:r>
-              <a:rPr lang="en-US" dirty="0" smtClean="0"/>
+              <a:rPr lang="en-US" dirty="0"/>
               <a:t>).</a:t>
             </a:r>
           </a:p>
           <a:p>
             <a:pPr lvl="1"/>
             <a:r>
-              <a:rPr lang="en-US" dirty="0" smtClean="0"/>
+              <a:rPr lang="en-US" dirty="0"/>
               <a:t>So the answer k, if it exists, is in [p+1, hi]</a:t>
             </a:r>
           </a:p>
           <a:p>
             <a:r>
-              <a:rPr lang="en-US" dirty="0" err="1" smtClean="0"/>
+              <a:rPr lang="en-US" dirty="0" err="1"/>
               <a:t>tgt</a:t>
             </a:r>
             <a:r>
-              <a:rPr lang="en-US" dirty="0" smtClean="0"/>
+              <a:rPr lang="en-US" dirty="0"/>
               <a:t> &lt; f(p)</a:t>
             </a:r>
           </a:p>
           <a:p>
             <a:pPr lvl="1"/>
             <a:r>
-              <a:rPr lang="en-US" dirty="0" smtClean="0"/>
+              <a:rPr lang="en-US" dirty="0"/>
               <a:t>so we can rule out p and all values greater than p, because if p &lt; p', </a:t>
             </a:r>
             <a:r>
-              <a:rPr lang="en-US" dirty="0" err="1" smtClean="0"/>
+              <a:rPr lang="en-US" dirty="0" err="1"/>
               <a:t>tgt</a:t>
             </a:r>
             <a:r>
-              <a:rPr lang="en-US" dirty="0" smtClean="0"/>
-              <a:t> &lt; f(p) </a:t>
-            </a:r>
-            <a:r>
-              <a:rPr lang="en-US" dirty="0"/>
-              <a:t>≤ </a:t>
-            </a:r>
-            <a:r>
-              <a:rPr lang="en-US" dirty="0" smtClean="0"/>
-              <a:t>f(p').</a:t>
+              <a:rPr lang="en-US" dirty="0"/>
+              <a:t> &lt; f(p) ≤ f(p').</a:t>
             </a:r>
           </a:p>
           <a:p>
             <a:pPr lvl="1"/>
             <a:r>
-              <a:rPr lang="en-US" dirty="0" smtClean="0"/>
+              <a:rPr lang="en-US" dirty="0"/>
               <a:t>So the answer k, if it exists, is in [lo,p-1]</a:t>
             </a:r>
           </a:p>
           <a:p>
             <a:r>
-              <a:rPr lang="en-US" dirty="0" err="1" smtClean="0"/>
+              <a:rPr lang="en-US" dirty="0" err="1"/>
               <a:t>tgt</a:t>
             </a:r>
             <a:r>
-              <a:rPr lang="en-US" dirty="0" smtClean="0"/>
+              <a:rPr lang="en-US" dirty="0"/>
               <a:t> = f(p)</a:t>
             </a:r>
           </a:p>
           <a:p>
             <a:pPr lvl="1"/>
             <a:r>
-              <a:rPr lang="en-US" dirty="0" smtClean="0"/>
+              <a:rPr lang="en-US" dirty="0"/>
               <a:t>then p is our desired k.</a:t>
             </a:r>
           </a:p>
@@ -4996,13 +4861,6 @@
   <p:clrMapOvr>
     <a:masterClrMapping/>
   </p:clrMapOvr>
-  <p:timing>
-    <p:tnLst>
-      <p:par>
-        <p:cTn id="1" dur="indefinite" restart="never" nodeType="tmRoot"/>
-      </p:par>
-    </p:tnLst>
-  </p:timing>
 </p:sld>
 </file>
 
@@ -5039,10 +4897,9 @@
           <a:lstStyle/>
           <a:p>
             <a:r>
-              <a:rPr lang="en-US" dirty="0" smtClean="0"/>
+              <a:rPr lang="en-US" dirty="0"/>
               <a:t>As code:</a:t>
             </a:r>
-            <a:endParaRPr lang="en-US" dirty="0"/>
           </a:p>
         </p:txBody>
       </p:sp>
@@ -5064,19 +4921,15 @@
           <a:lstStyle/>
           <a:p>
             <a:r>
-              <a:rPr lang="en-US" sz="6400" dirty="0" smtClean="0"/>
-              <a:t>;; </a:t>
-            </a:r>
-            <a:r>
               <a:rPr lang="en-US" sz="6400" dirty="0"/>
-              <a:t>STRATEGY: recur on either left or right half of [</a:t>
+              <a:t>;; STRATEGY: recur on either left or right half of [</a:t>
             </a:r>
             <a:r>
               <a:rPr lang="en-US" sz="6400" dirty="0" err="1"/>
               <a:t>lo,hi</a:t>
             </a:r>
             <a:r>
-              <a:rPr lang="en-US" sz="6400" dirty="0" smtClean="0"/>
+              <a:rPr lang="en-US" sz="6400" dirty="0"/>
               <a:t>].</a:t>
             </a:r>
           </a:p>
@@ -5085,12 +4938,8 @@
           </a:p>
           <a:p>
             <a:r>
-              <a:rPr lang="en-US" sz="6400" dirty="0" smtClean="0"/>
-              <a:t>(</a:t>
-            </a:r>
-            <a:r>
               <a:rPr lang="en-US" sz="6400" dirty="0"/>
-              <a:t>define (binary-search-loop lo hi f </a:t>
+              <a:t>(define (binary-search-loop lo hi f </a:t>
             </a:r>
             <a:r>
               <a:rPr lang="en-US" sz="6400" dirty="0" err="1"/>
@@ -5115,65 +4964,25 @@
           <a:p>
             <a:r>
               <a:rPr lang="en-US" sz="6400" dirty="0"/>
-              <a:t>    [(&gt; lo hi) </a:t>
-            </a:r>
-            <a:r>
-              <a:rPr lang="en-US" sz="6400" dirty="0" smtClean="0"/>
-              <a:t>      ; </a:t>
-            </a:r>
+              <a:t>    [(&gt; lo hi)       ; the search range is empty, return false</a:t>
+            </a:r>
+          </a:p>
+          <a:p>
             <a:r>
               <a:rPr lang="en-US" sz="6400" dirty="0"/>
-              <a:t>the search range is empty, return false</a:t>
-            </a:r>
-          </a:p>
-          <a:p>
-            <a:r>
-              <a:rPr lang="en-US" sz="6400" dirty="0" smtClean="0"/>
-              <a:t>     false</a:t>
-            </a:r>
+              <a:t>     false]    </a:t>
+            </a:r>
+          </a:p>
+          <a:p>
             <a:r>
               <a:rPr lang="en-US" sz="6400" dirty="0"/>
-              <a:t>]    </a:t>
+              <a:t>    [(= lo hi)       ; the search range has size 1</a:t>
             </a:r>
           </a:p>
           <a:p>
             <a:r>
               <a:rPr lang="en-US" sz="6400" dirty="0"/>
-              <a:t>    [(= lo hi) </a:t>
-            </a:r>
-            <a:r>
-              <a:rPr lang="en-US" sz="6400" dirty="0" smtClean="0"/>
-              <a:t>      ; </a:t>
-            </a:r>
-            <a:r>
-              <a:rPr lang="en-US" sz="6400" dirty="0"/>
-              <a:t>the search range has size 1</a:t>
-            </a:r>
-          </a:p>
-          <a:p>
-            <a:r>
-              <a:rPr lang="en-US" sz="6400" dirty="0" smtClean="0"/>
-              <a:t>     </a:t>
-            </a:r>
-            <a:r>
-              <a:rPr lang="en-US" sz="6400" dirty="0"/>
-              <a:t>(if </a:t>
-            </a:r>
-            <a:r>
-              <a:rPr lang="en-US" sz="6400" dirty="0" smtClean="0"/>
-              <a:t>(</a:t>
-            </a:r>
-            <a:r>
-              <a:rPr lang="en-US" sz="6400" dirty="0"/>
-              <a:t>=</a:t>
-            </a:r>
-            <a:r>
-              <a:rPr lang="en-US" sz="6400" dirty="0" smtClean="0"/>
-              <a:t> </a:t>
-            </a:r>
-            <a:r>
-              <a:rPr lang="en-US" sz="6400" dirty="0"/>
-              <a:t>(f lo) </a:t>
+              <a:t>     (if (= (f lo) </a:t>
             </a:r>
             <a:r>
               <a:rPr lang="en-US" sz="6400" dirty="0" err="1"/>
@@ -5193,35 +5002,14 @@
           <a:p>
             <a:r>
               <a:rPr lang="en-US" sz="6400" dirty="0"/>
-              <a:t>            ((define </a:t>
-            </a:r>
-            <a:r>
-              <a:rPr lang="en-US" sz="6400" dirty="0" smtClean="0"/>
-              <a:t>p </a:t>
-            </a:r>
+              <a:t>            ((define p (floor (/ (+ lo hi) 2)))</a:t>
+            </a:r>
+          </a:p>
+          <a:p>
             <a:r>
               <a:rPr lang="en-US" sz="6400" dirty="0"/>
-              <a:t>(floor (/ (+ lo hi) 2)))</a:t>
-            </a:r>
-          </a:p>
-          <a:p>
-            <a:r>
-              <a:rPr lang="en-US" sz="6400" dirty="0"/>
-              <a:t>             (define </a:t>
-            </a:r>
-            <a:r>
-              <a:rPr lang="en-US" sz="6400" dirty="0" smtClean="0"/>
-              <a:t>f-of-midpoint </a:t>
-            </a:r>
-            <a:r>
-              <a:rPr lang="en-US" sz="6400" dirty="0"/>
-              <a:t>(f </a:t>
-            </a:r>
-            <a:r>
-              <a:rPr lang="en-US" sz="6400" dirty="0" smtClean="0"/>
-              <a:t>p)))</a:t>
-            </a:r>
-            <a:endParaRPr lang="en-US" sz="6400" dirty="0"/>
+              <a:t>             (define f-of-midpoint (f p)))</a:t>
+            </a:r>
           </a:p>
           <a:p>
             <a:r>
@@ -5237,11 +5025,7 @@
           <a:p>
             <a:r>
               <a:rPr lang="en-US" sz="6400" dirty="0"/>
-              <a:t>              [(&lt; </a:t>
-            </a:r>
-            <a:r>
-              <a:rPr lang="en-US" sz="6400" dirty="0" smtClean="0"/>
-              <a:t>f-of-midpoint </a:t>
+              <a:t>              [(&lt; f-of-midpoint </a:t>
             </a:r>
             <a:r>
               <a:rPr lang="en-US" sz="6400" dirty="0" err="1"/>
@@ -5249,15 +5033,7 @@
             </a:r>
             <a:r>
               <a:rPr lang="en-US" sz="6400" dirty="0"/>
-              <a:t>) </a:t>
-            </a:r>
-            <a:r>
-              <a:rPr lang="en-US" sz="6400" dirty="0" smtClean="0"/>
-              <a:t>   ; </a:t>
-            </a:r>
-            <a:r>
-              <a:rPr lang="en-US" sz="6400" dirty="0"/>
-              <a:t>the </a:t>
+              <a:t>)    ; the </a:t>
             </a:r>
             <a:r>
               <a:rPr lang="en-US" sz="6400" dirty="0" err="1"/>
@@ -5265,129 +5041,70 @@
             </a:r>
             <a:r>
               <a:rPr lang="en-US" sz="6400" dirty="0"/>
-              <a:t> is in the right </a:t>
-            </a:r>
-            <a:r>
-              <a:rPr lang="en-US" sz="6400" dirty="0" smtClean="0"/>
-              <a:t>half</a:t>
-            </a:r>
-            <a:endParaRPr lang="en-US" sz="6400" dirty="0"/>
+              <a:t> is in the right half</a:t>
+            </a:r>
+          </a:p>
+          <a:p>
+            <a:r>
+              <a:rPr lang="en-US" sz="6400" dirty="0"/>
+              <a:t>               (binary-search-loop (+ p 1) hi f </a:t>
+            </a:r>
+            <a:r>
+              <a:rPr lang="en-US" sz="6400" dirty="0" err="1"/>
+              <a:t>tgt</a:t>
+            </a:r>
+            <a:r>
+              <a:rPr lang="en-US" sz="6400" dirty="0"/>
+              <a:t>)]</a:t>
+            </a:r>
+          </a:p>
+          <a:p>
+            <a:r>
+              <a:rPr lang="en-US" sz="6400" dirty="0"/>
+              <a:t>              [(&gt; f-of-midpoint </a:t>
+            </a:r>
+            <a:r>
+              <a:rPr lang="en-US" sz="6400" dirty="0" err="1"/>
+              <a:t>tgt</a:t>
+            </a:r>
+            <a:r>
+              <a:rPr lang="en-US" sz="6400" dirty="0"/>
+              <a:t>)    ; the </a:t>
+            </a:r>
+            <a:r>
+              <a:rPr lang="en-US" sz="6400" dirty="0" err="1"/>
+              <a:t>tgt</a:t>
+            </a:r>
+            <a:r>
+              <a:rPr lang="en-US" sz="6400" dirty="0"/>
+              <a:t> is in the left half               </a:t>
+            </a:r>
+          </a:p>
+          <a:p>
+            <a:r>
+              <a:rPr lang="en-US" sz="6400" dirty="0"/>
+              <a:t>               (binary-search-loop lo (- p 1) f </a:t>
+            </a:r>
+            <a:r>
+              <a:rPr lang="en-US" sz="6400" dirty="0" err="1"/>
+              <a:t>tgt</a:t>
+            </a:r>
+            <a:r>
+              <a:rPr lang="en-US" sz="6400" dirty="0"/>
+              <a:t>)]</a:t>
+            </a:r>
+          </a:p>
+          <a:p>
+            <a:r>
+              <a:rPr lang="en-US" sz="6400" dirty="0"/>
+              <a:t>              [else p]))]))     ; p is the one we're looking for                              </a:t>
+            </a:r>
           </a:p>
           <a:p>
             <a:r>
               <a:rPr lang="en-US" sz="6400" dirty="0"/>
               <a:t>               </a:t>
             </a:r>
-            <a:r>
-              <a:rPr lang="en-US" sz="6400" dirty="0" smtClean="0"/>
-              <a:t>(</a:t>
-            </a:r>
-            <a:r>
-              <a:rPr lang="en-US" sz="6400" dirty="0"/>
-              <a:t>binary-search-loop (+ </a:t>
-            </a:r>
-            <a:r>
-              <a:rPr lang="en-US" sz="6400" dirty="0" smtClean="0"/>
-              <a:t>p </a:t>
-            </a:r>
-            <a:r>
-              <a:rPr lang="en-US" sz="6400" dirty="0"/>
-              <a:t>1) hi f </a:t>
-            </a:r>
-            <a:r>
-              <a:rPr lang="en-US" sz="6400" dirty="0" err="1"/>
-              <a:t>tgt</a:t>
-            </a:r>
-            <a:r>
-              <a:rPr lang="en-US" sz="6400" dirty="0"/>
-              <a:t>)]</a:t>
-            </a:r>
-          </a:p>
-          <a:p>
-            <a:r>
-              <a:rPr lang="en-US" sz="6400" dirty="0"/>
-              <a:t>              [(&gt; f-of-midpoint </a:t>
-            </a:r>
-            <a:r>
-              <a:rPr lang="en-US" sz="6400" dirty="0" err="1"/>
-              <a:t>tgt</a:t>
-            </a:r>
-            <a:r>
-              <a:rPr lang="en-US" sz="6400" dirty="0"/>
-              <a:t>) </a:t>
-            </a:r>
-            <a:r>
-              <a:rPr lang="en-US" sz="6400" dirty="0" smtClean="0"/>
-              <a:t>   ; </a:t>
-            </a:r>
-            <a:r>
-              <a:rPr lang="en-US" sz="6400" dirty="0"/>
-              <a:t>the </a:t>
-            </a:r>
-            <a:r>
-              <a:rPr lang="en-US" sz="6400" dirty="0" err="1"/>
-              <a:t>tgt</a:t>
-            </a:r>
-            <a:r>
-              <a:rPr lang="en-US" sz="6400" dirty="0"/>
-              <a:t> is in the left </a:t>
-            </a:r>
-            <a:r>
-              <a:rPr lang="en-US" sz="6400" dirty="0" smtClean="0"/>
-              <a:t>half               </a:t>
-            </a:r>
-            <a:endParaRPr lang="en-US" sz="6400" dirty="0"/>
-          </a:p>
-          <a:p>
-            <a:r>
-              <a:rPr lang="en-US" sz="6400" dirty="0"/>
-              <a:t>               (binary-search-loop lo (- </a:t>
-            </a:r>
-            <a:r>
-              <a:rPr lang="en-US" sz="6400" dirty="0" smtClean="0"/>
-              <a:t>p </a:t>
-            </a:r>
-            <a:r>
-              <a:rPr lang="en-US" sz="6400" dirty="0"/>
-              <a:t>1) f </a:t>
-            </a:r>
-            <a:r>
-              <a:rPr lang="en-US" sz="6400" dirty="0" err="1"/>
-              <a:t>tgt</a:t>
-            </a:r>
-            <a:r>
-              <a:rPr lang="en-US" sz="6400" dirty="0"/>
-              <a:t>)]</a:t>
-            </a:r>
-          </a:p>
-          <a:p>
-            <a:r>
-              <a:rPr lang="en-US" sz="6400" dirty="0"/>
-              <a:t>              [else </a:t>
-            </a:r>
-            <a:r>
-              <a:rPr lang="en-US" sz="6400" dirty="0" smtClean="0"/>
-              <a:t>p]))]))     ; </a:t>
-            </a:r>
-            <a:r>
-              <a:rPr lang="en-US" sz="6400" dirty="0"/>
-              <a:t>p is the one we're looking </a:t>
-            </a:r>
-            <a:r>
-              <a:rPr lang="en-US" sz="6400" dirty="0" smtClean="0"/>
-              <a:t>for                              </a:t>
-            </a:r>
-          </a:p>
-          <a:p>
-            <a:r>
-              <a:rPr lang="en-US" sz="6400" dirty="0"/>
-              <a:t> </a:t>
-            </a:r>
-            <a:r>
-              <a:rPr lang="en-US" sz="6400" dirty="0" smtClean="0"/>
-              <a:t>              </a:t>
-            </a:r>
-            <a:endParaRPr lang="en-US" sz="6400" dirty="0"/>
           </a:p>
         </p:txBody>
       </p:sp>
@@ -5425,13 +5142,6 @@
   <p:clrMapOvr>
     <a:masterClrMapping/>
   </p:clrMapOvr>
-  <p:timing>
-    <p:tnLst>
-      <p:par>
-        <p:cTn id="1" dur="indefinite" restart="never" nodeType="tmRoot"/>
-      </p:par>
-    </p:tnLst>
-  </p:timing>
 </p:sld>
 </file>
 
@@ -5468,10 +5178,9 @@
           <a:lstStyle/>
           <a:p>
             <a:r>
-              <a:rPr lang="en-US" dirty="0" smtClean="0"/>
+              <a:rPr lang="en-US" dirty="0"/>
               <a:t>Watch this work</a:t>
             </a:r>
-            <a:endParaRPr lang="en-US" dirty="0"/>
           </a:p>
         </p:txBody>
       </p:sp>
@@ -5498,15 +5207,15 @@
               </a:lnSpc>
             </a:pPr>
             <a:r>
-              <a:rPr lang="en-US" dirty="0" smtClean="0"/>
+              <a:rPr lang="en-US" dirty="0"/>
               <a:t>(binary-search-loop 0 40 </a:t>
             </a:r>
             <a:r>
-              <a:rPr lang="en-US" dirty="0" err="1" smtClean="0"/>
+              <a:rPr lang="en-US" dirty="0" err="1"/>
               <a:t>sqr</a:t>
             </a:r>
             <a:r>
-              <a:rPr lang="en-US" dirty="0" smtClean="0"/>
+              <a:rPr lang="en-US" dirty="0"/>
               <a:t> 49)</a:t>
             </a:r>
           </a:p>
@@ -5517,15 +5226,15 @@
               </a:lnSpc>
             </a:pPr>
             <a:r>
-              <a:rPr lang="en-US" dirty="0" smtClean="0"/>
+              <a:rPr lang="en-US" dirty="0"/>
               <a:t>= (binary-search-loop 0 19 </a:t>
             </a:r>
             <a:r>
-              <a:rPr lang="en-US" dirty="0" err="1" smtClean="0"/>
+              <a:rPr lang="en-US" dirty="0" err="1"/>
               <a:t>sqr</a:t>
             </a:r>
             <a:r>
-              <a:rPr lang="en-US" dirty="0" smtClean="0"/>
+              <a:rPr lang="en-US" dirty="0"/>
               <a:t> 49) </a:t>
             </a:r>
           </a:p>
@@ -5536,15 +5245,15 @@
               </a:lnSpc>
             </a:pPr>
             <a:r>
-              <a:rPr lang="en-US" dirty="0" smtClean="0"/>
+              <a:rPr lang="en-US" dirty="0"/>
               <a:t>= (binary-search-loop 0 8 </a:t>
             </a:r>
             <a:r>
-              <a:rPr lang="en-US" dirty="0" err="1" smtClean="0"/>
+              <a:rPr lang="en-US" dirty="0" err="1"/>
               <a:t>sqr</a:t>
             </a:r>
             <a:r>
-              <a:rPr lang="en-US" dirty="0" smtClean="0"/>
+              <a:rPr lang="en-US" dirty="0"/>
               <a:t> 49)</a:t>
             </a:r>
           </a:p>
@@ -5556,15 +5265,7 @@
             </a:pPr>
             <a:r>
               <a:rPr lang="en-US" dirty="0"/>
-              <a:t>= (binary-search-loop </a:t>
-            </a:r>
-            <a:r>
-              <a:rPr lang="en-US" dirty="0" smtClean="0"/>
-              <a:t>5 </a:t>
-            </a:r>
-            <a:r>
-              <a:rPr lang="en-US" dirty="0"/>
-              <a:t>8 </a:t>
+              <a:t>= (binary-search-loop 5 8 </a:t>
             </a:r>
             <a:r>
               <a:rPr lang="en-US" dirty="0" err="1"/>
@@ -5583,15 +5284,7 @@
             </a:pPr>
             <a:r>
               <a:rPr lang="en-US" dirty="0"/>
-              <a:t>= (binary-search-loop </a:t>
-            </a:r>
-            <a:r>
-              <a:rPr lang="en-US" dirty="0" smtClean="0"/>
-              <a:t>7 </a:t>
-            </a:r>
-            <a:r>
-              <a:rPr lang="en-US" dirty="0"/>
-              <a:t>8 </a:t>
+              <a:t>= (binary-search-loop 7 8 </a:t>
             </a:r>
             <a:r>
               <a:rPr lang="en-US" dirty="0" err="1"/>
@@ -5609,10 +5302,9 @@
               </a:lnSpc>
             </a:pPr>
             <a:r>
-              <a:rPr lang="en-US" dirty="0" smtClean="0"/>
+              <a:rPr lang="en-US" dirty="0"/>
               <a:t>= 7</a:t>
             </a:r>
-            <a:endParaRPr lang="en-US" dirty="0"/>
           </a:p>
         </p:txBody>
       </p:sp>
@@ -5654,11 +5346,14 @@
           <a:prstGeom prst="rect">
             <a:avLst/>
           </a:prstGeom>
-          <a:noFill/>
+          <a:solidFill>
+            <a:schemeClr val="accent1">
+              <a:lumMod val="20000"/>
+              <a:lumOff val="80000"/>
+            </a:schemeClr>
+          </a:solidFill>
           <a:ln>
-            <a:solidFill>
-              <a:schemeClr val="tx1"/>
-            </a:solidFill>
+            <a:noFill/>
           </a:ln>
         </p:spPr>
         <p:txBody>
@@ -5668,10 +5363,9 @@
           <a:lstStyle/>
           <a:p>
             <a:r>
-              <a:rPr lang="en-US" dirty="0" smtClean="0"/>
+              <a:rPr lang="en-US" dirty="0"/>
               <a:t>p = 20</a:t>
             </a:r>
-            <a:endParaRPr lang="en-US" dirty="0"/>
           </a:p>
         </p:txBody>
       </p:sp>
@@ -5689,11 +5383,14 @@
           <a:prstGeom prst="rect">
             <a:avLst/>
           </a:prstGeom>
-          <a:noFill/>
+          <a:solidFill>
+            <a:schemeClr val="accent1">
+              <a:lumMod val="20000"/>
+              <a:lumOff val="80000"/>
+            </a:schemeClr>
+          </a:solidFill>
           <a:ln>
-            <a:solidFill>
-              <a:schemeClr val="tx1"/>
-            </a:solidFill>
+            <a:noFill/>
           </a:ln>
         </p:spPr>
         <p:txBody>
@@ -5703,10 +5400,9 @@
           <a:lstStyle/>
           <a:p>
             <a:r>
-              <a:rPr lang="en-US" dirty="0" smtClean="0"/>
+              <a:rPr lang="en-US" dirty="0"/>
               <a:t>p = 9 </a:t>
             </a:r>
-            <a:endParaRPr lang="en-US" dirty="0"/>
           </a:p>
         </p:txBody>
       </p:sp>
@@ -5724,11 +5420,14 @@
           <a:prstGeom prst="rect">
             <a:avLst/>
           </a:prstGeom>
-          <a:noFill/>
+          <a:solidFill>
+            <a:schemeClr val="accent1">
+              <a:lumMod val="20000"/>
+              <a:lumOff val="80000"/>
+            </a:schemeClr>
+          </a:solidFill>
           <a:ln>
-            <a:solidFill>
-              <a:schemeClr val="tx1"/>
-            </a:solidFill>
+            <a:noFill/>
           </a:ln>
         </p:spPr>
         <p:txBody>
@@ -5738,10 +5437,9 @@
           <a:lstStyle/>
           <a:p>
             <a:r>
-              <a:rPr lang="en-US" dirty="0" smtClean="0"/>
+              <a:rPr lang="en-US" dirty="0"/>
               <a:t>p = 4 </a:t>
             </a:r>
-            <a:endParaRPr lang="en-US" dirty="0"/>
           </a:p>
         </p:txBody>
       </p:sp>
@@ -5759,11 +5457,14 @@
           <a:prstGeom prst="rect">
             <a:avLst/>
           </a:prstGeom>
-          <a:noFill/>
+          <a:solidFill>
+            <a:schemeClr val="accent1">
+              <a:lumMod val="20000"/>
+              <a:lumOff val="80000"/>
+            </a:schemeClr>
+          </a:solidFill>
           <a:ln>
-            <a:solidFill>
-              <a:schemeClr val="tx1"/>
-            </a:solidFill>
+            <a:noFill/>
           </a:ln>
         </p:spPr>
         <p:txBody>
@@ -5773,10 +5474,9 @@
           <a:lstStyle/>
           <a:p>
             <a:r>
-              <a:rPr lang="en-US" dirty="0" smtClean="0"/>
+              <a:rPr lang="en-US" dirty="0"/>
               <a:t>p = 6 </a:t>
             </a:r>
-            <a:endParaRPr lang="en-US" dirty="0"/>
           </a:p>
         </p:txBody>
       </p:sp>
@@ -5794,11 +5494,14 @@
           <a:prstGeom prst="rect">
             <a:avLst/>
           </a:prstGeom>
-          <a:noFill/>
+          <a:solidFill>
+            <a:schemeClr val="accent1">
+              <a:lumMod val="20000"/>
+              <a:lumOff val="80000"/>
+            </a:schemeClr>
+          </a:solidFill>
           <a:ln>
-            <a:solidFill>
-              <a:schemeClr val="tx1"/>
-            </a:solidFill>
+            <a:noFill/>
           </a:ln>
         </p:spPr>
         <p:txBody>
@@ -5808,10 +5511,9 @@
           <a:lstStyle/>
           <a:p>
             <a:r>
-              <a:rPr lang="en-US" dirty="0" smtClean="0"/>
+              <a:rPr lang="en-US" dirty="0"/>
               <a:t>p = 7 </a:t>
             </a:r>
-            <a:endParaRPr lang="en-US" dirty="0"/>
           </a:p>
         </p:txBody>
       </p:sp>
@@ -5825,13 +5527,6 @@
   <p:clrMapOvr>
     <a:masterClrMapping/>
   </p:clrMapOvr>
-  <p:timing>
-    <p:tnLst>
-      <p:par>
-        <p:cTn id="1" dur="indefinite" restart="never" nodeType="tmRoot"/>
-      </p:par>
-    </p:tnLst>
-  </p:timing>
 </p:sld>
 </file>
 
@@ -5868,10 +5563,9 @@
           <a:lstStyle/>
           <a:p>
             <a:r>
-              <a:rPr lang="en-US" dirty="0" smtClean="0"/>
+              <a:rPr lang="en-US" dirty="0"/>
               <a:t>What's the halting measure?</a:t>
             </a:r>
-            <a:endParaRPr lang="en-US" dirty="0"/>
           </a:p>
         </p:txBody>
       </p:sp>
@@ -5893,56 +5587,48 @@
           <a:lstStyle/>
           <a:p>
             <a:r>
-              <a:rPr lang="en-US" dirty="0" smtClean="0"/>
+              <a:rPr lang="en-US" dirty="0"/>
               <a:t>Proposed halting measure: max(0,hi-lo)</a:t>
             </a:r>
           </a:p>
           <a:p>
             <a:pPr lvl="1"/>
             <a:r>
-              <a:rPr lang="en-US" dirty="0" smtClean="0"/>
+              <a:rPr lang="en-US" dirty="0"/>
               <a:t>(the size of the search region)</a:t>
             </a:r>
           </a:p>
           <a:p>
             <a:r>
-              <a:rPr lang="en-US" dirty="0" smtClean="0"/>
+              <a:rPr lang="en-US" dirty="0"/>
               <a:t>Termination argument:</a:t>
             </a:r>
           </a:p>
           <a:p>
             <a:pPr lvl="1"/>
             <a:r>
-              <a:rPr lang="en-US" dirty="0" smtClean="0"/>
+              <a:rPr lang="en-US" dirty="0"/>
               <a:t>max(0,hi-lo) is always a non-negative integer</a:t>
             </a:r>
           </a:p>
           <a:p>
             <a:pPr lvl="1"/>
             <a:r>
-              <a:rPr lang="en-US" dirty="0" smtClean="0"/>
+              <a:rPr lang="en-US" dirty="0"/>
               <a:t>Must check to see that max(0,hi-lo) decreases on every recursive call.</a:t>
             </a:r>
           </a:p>
           <a:p>
             <a:pPr lvl="2"/>
             <a:r>
-              <a:rPr lang="en-US" dirty="0" smtClean="0"/>
-              <a:t>At every recursive call, the size of the search region decreases by at least 1 (because p is removed from the search region).*</a:t>
-            </a:r>
-          </a:p>
-          <a:p>
-            <a:r>
-              <a:rPr lang="en-US" dirty="0" smtClean="0"/>
-              <a:t>So </a:t>
-            </a:r>
-            <a:r>
-              <a:rPr lang="en-US" dirty="0"/>
-              <a:t>max(0,hi-lo</a:t>
-            </a:r>
-            <a:r>
-              <a:rPr lang="en-US" dirty="0" smtClean="0"/>
-              <a:t>) is a halting measure for binary-search-loop.</a:t>
+              <a:rPr lang="en-US" dirty="0"/>
+              <a:t>At every recursive call, the size of the search region decreases by at least 1 (because p is removed from the search region).</a:t>
+            </a:r>
+          </a:p>
+          <a:p>
+            <a:r>
+              <a:rPr lang="en-US" dirty="0"/>
+              <a:t>So max(0,hi-lo) is a halting measure for binary-search-loop.</a:t>
             </a:r>
           </a:p>
         </p:txBody>
@@ -5980,18 +5666,20 @@
         <p:spPr>
           <a:xfrm>
             <a:off x="4648200" y="5562600"/>
-            <a:ext cx="3124200" cy="990600"/>
+            <a:ext cx="3124200" cy="685800"/>
           </a:xfrm>
           <a:prstGeom prst="rect">
             <a:avLst/>
           </a:prstGeom>
           <a:solidFill>
-            <a:schemeClr val="accent3">
-              <a:lumMod val="40000"/>
-              <a:lumOff val="60000"/>
+            <a:schemeClr val="accent1">
+              <a:lumMod val="20000"/>
+              <a:lumOff val="80000"/>
             </a:schemeClr>
           </a:solidFill>
-          <a:ln/>
+          <a:ln>
+            <a:noFill/>
+          </a:ln>
         </p:spPr>
         <p:style>
           <a:lnRef idx="2">
@@ -6017,21 +5705,49 @@
           <a:lstStyle/>
           <a:p>
             <a:r>
-              <a:rPr lang="en-US" dirty="0" smtClean="0">
+              <a:rPr lang="en-US" dirty="0">
                 <a:solidFill>
                   <a:schemeClr val="tx1"/>
                 </a:solidFill>
               </a:rPr>
-              <a:t>* This is actually subtle– see the next slide for details.</a:t>
-            </a:r>
-            <a:endParaRPr lang="en-US" dirty="0">
-              <a:solidFill>
-                <a:schemeClr val="tx1"/>
-              </a:solidFill>
-            </a:endParaRPr>
-          </a:p>
-        </p:txBody>
-      </p:sp>
+              <a:t>This is actually subtle– see the next slide for details.</a:t>
+            </a:r>
+          </a:p>
+        </p:txBody>
+      </p:sp>
+      <p:cxnSp>
+        <p:nvCxnSpPr>
+          <p:cNvPr id="7" name="Straight Arrow Connector 6"/>
+          <p:cNvCxnSpPr/>
+          <p:nvPr/>
+        </p:nvCxnSpPr>
+        <p:spPr>
+          <a:xfrm flipH="1" flipV="1">
+            <a:off x="3429000" y="4724400"/>
+            <a:ext cx="1219200" cy="838200"/>
+          </a:xfrm>
+          <a:prstGeom prst="straightConnector1">
+            <a:avLst/>
+          </a:prstGeom>
+          <a:ln>
+            <a:tailEnd type="triangle"/>
+          </a:ln>
+        </p:spPr>
+        <p:style>
+          <a:lnRef idx="1">
+            <a:schemeClr val="accent1"/>
+          </a:lnRef>
+          <a:fillRef idx="0">
+            <a:schemeClr val="accent1"/>
+          </a:fillRef>
+          <a:effectRef idx="0">
+            <a:schemeClr val="accent1"/>
+          </a:effectRef>
+          <a:fontRef idx="minor">
+            <a:schemeClr val="tx1"/>
+          </a:fontRef>
+        </p:style>
+      </p:cxnSp>
     </p:spTree>
     <p:extLst>
       <p:ext uri="{BB962C8B-B14F-4D97-AF65-F5344CB8AC3E}">
@@ -6042,13 +5758,6 @@
   <p:clrMapOvr>
     <a:masterClrMapping/>
   </p:clrMapOvr>
-  <p:timing>
-    <p:tnLst>
-      <p:par>
-        <p:cTn id="1" dur="indefinite" restart="never" nodeType="tmRoot"/>
-      </p:par>
-    </p:tnLst>
-  </p:timing>
 </p:sld>
 </file>
 
@@ -6087,10 +5796,9 @@
           <a:lstStyle/>
           <a:p>
             <a:r>
-              <a:rPr lang="en-US" dirty="0" smtClean="0"/>
+              <a:rPr lang="en-US" dirty="0"/>
               <a:t>Checking that the halting measure decreases</a:t>
             </a:r>
-            <a:endParaRPr lang="en-US" dirty="0"/>
           </a:p>
         </p:txBody>
       </p:sp>
@@ -6112,36 +5820,36 @@
           <a:lstStyle/>
           <a:p>
             <a:r>
-              <a:rPr lang="en-US" dirty="0" smtClean="0"/>
+              <a:rPr lang="en-US" dirty="0"/>
               <a:t>Let’s try the first case:</a:t>
             </a:r>
           </a:p>
           <a:p>
             <a:pPr lvl="1"/>
             <a:r>
-              <a:rPr lang="en-US" dirty="0" smtClean="0"/>
+              <a:rPr lang="en-US" dirty="0"/>
               <a:t>We have</a:t>
             </a:r>
           </a:p>
           <a:p>
             <a:pPr lvl="2"/>
             <a:r>
-              <a:rPr lang="en-US" dirty="0" smtClean="0"/>
+              <a:rPr lang="en-US" dirty="0"/>
               <a:t>lo &lt; </a:t>
             </a:r>
             <a:r>
-              <a:rPr lang="en-US" smtClean="0"/>
+              <a:rPr lang="en-US"/>
               <a:t>hi               </a:t>
             </a:r>
             <a:r>
-              <a:rPr lang="en-US" dirty="0" smtClean="0"/>
+              <a:rPr lang="en-US" dirty="0"/>
               <a:t>[that’s how we got to the cond clause]</a:t>
             </a:r>
           </a:p>
           <a:p>
             <a:pPr lvl="2"/>
             <a:r>
-              <a:rPr lang="en-US" dirty="0" smtClean="0"/>
+              <a:rPr lang="en-US" dirty="0"/>
               <a:t>lo ≤ p ≤ hi         [that’s how we chose p]</a:t>
             </a:r>
           </a:p>
@@ -6152,33 +5860,32 @@
               <a:t>f(p) &lt; </a:t>
             </a:r>
             <a:r>
-              <a:rPr lang="en-US" dirty="0" err="1" smtClean="0"/>
+              <a:rPr lang="en-US" dirty="0" err="1"/>
               <a:t>tgt</a:t>
             </a:r>
             <a:r>
-              <a:rPr lang="en-US" dirty="0" smtClean="0"/>
+              <a:rPr lang="en-US" dirty="0"/>
               <a:t>           [that’s the case we are considering.]</a:t>
             </a:r>
           </a:p>
           <a:p>
             <a:pPr lvl="1"/>
             <a:r>
-              <a:rPr lang="en-US" dirty="0" smtClean="0"/>
+              <a:rPr lang="en-US" dirty="0"/>
               <a:t>So hi-lo &gt; 0, so max(0,hi-lo) = hi-lo.</a:t>
             </a:r>
-            <a:endParaRPr lang="en-US" dirty="0"/>
           </a:p>
           <a:p>
             <a:pPr lvl="1"/>
             <a:r>
-              <a:rPr lang="en-US" dirty="0" smtClean="0"/>
+              <a:rPr lang="en-US" dirty="0"/>
               <a:t>In this case we set lo1 (the new value of lo) to be p+1, and hi1, the new value of hi, to be equal to hi.</a:t>
             </a:r>
           </a:p>
           <a:p>
             <a:pPr lvl="1"/>
             <a:r>
-              <a:rPr lang="en-US" dirty="0" smtClean="0"/>
+              <a:rPr lang="en-US" dirty="0"/>
               <a:t>Now we can calculate:</a:t>
             </a:r>
           </a:p>
@@ -6187,7 +5894,7 @@
               <a:buNone/>
             </a:pPr>
             <a:r>
-              <a:rPr lang="en-US" dirty="0" smtClean="0"/>
+              <a:rPr lang="en-US" dirty="0"/>
               <a:t>hi1-lo1 </a:t>
             </a:r>
           </a:p>
@@ -6196,7 +5903,7 @@
               <a:buNone/>
             </a:pPr>
             <a:r>
-              <a:rPr lang="en-US" dirty="0" smtClean="0"/>
+              <a:rPr lang="en-US" dirty="0"/>
               <a:t>= hi-(p+1)      [substituting values of hi1 and  lo1]</a:t>
             </a:r>
           </a:p>
@@ -6205,7 +5912,7 @@
               <a:buNone/>
             </a:pPr>
             <a:r>
-              <a:rPr lang="en-US" dirty="0" smtClean="0"/>
+              <a:rPr lang="en-US" dirty="0"/>
               <a:t>&lt; hi – p          [since p &lt; p+1]</a:t>
             </a:r>
           </a:p>
@@ -6214,81 +5921,51 @@
               <a:buNone/>
             </a:pPr>
             <a:r>
-              <a:rPr lang="en-US" dirty="0" smtClean="0"/>
+              <a:rPr lang="en-US" dirty="0"/>
               <a:t>≤ hi – lo       [since lo ≤ p]</a:t>
             </a:r>
           </a:p>
           <a:p>
             <a:pPr lvl="1"/>
             <a:r>
-              <a:rPr lang="en-US" dirty="0" smtClean="0"/>
+              <a:rPr lang="en-US" dirty="0"/>
               <a:t>So (h1-lo1) &lt; (hi-lo).</a:t>
             </a:r>
           </a:p>
           <a:p>
             <a:pPr lvl="1"/>
             <a:r>
-              <a:rPr lang="en-US" dirty="0" smtClean="0"/>
-              <a:t>If hi1-lo1 ≥ 0, then max(0,hi1-lo1) = hi1-lo1 &lt; </a:t>
-            </a:r>
-            <a:r>
-              <a:rPr lang="en-US" dirty="0"/>
-              <a:t>(hi-lo</a:t>
-            </a:r>
-            <a:r>
-              <a:rPr lang="en-US" dirty="0" smtClean="0"/>
-              <a:t>) = </a:t>
-            </a:r>
-            <a:r>
-              <a:rPr lang="en-US" dirty="0"/>
-              <a:t>max(0,hi-lo) </a:t>
-            </a:r>
-            <a:endParaRPr lang="en-US" dirty="0" smtClean="0"/>
+              <a:rPr lang="en-US" dirty="0"/>
+              <a:t>If hi1-lo1 ≥ 0, then max(0,hi1-lo1) = hi1-lo1 &lt; (hi-lo) = max(0,hi-lo) </a:t>
+            </a:r>
           </a:p>
           <a:p>
             <a:pPr lvl="1"/>
             <a:r>
-              <a:rPr lang="en-US" dirty="0" smtClean="0"/>
+              <a:rPr lang="en-US" dirty="0"/>
               <a:t>If hi1-lo1 &lt; 0, then max(0,hi1-lo1) = 0 &lt; hi-lo = max(0, hi-lo)</a:t>
             </a:r>
           </a:p>
           <a:p>
             <a:pPr lvl="1"/>
             <a:r>
-              <a:rPr lang="en-US" dirty="0" smtClean="0"/>
-              <a:t>So either way, we have </a:t>
-            </a:r>
-            <a:r>
-              <a:rPr lang="en-US" dirty="0"/>
-              <a:t>max(0,hi1-lo1) </a:t>
-            </a:r>
-            <a:r>
-              <a:rPr lang="en-US" dirty="0" smtClean="0"/>
-              <a:t>&lt; </a:t>
-            </a:r>
-            <a:r>
-              <a:rPr lang="en-US" dirty="0"/>
-              <a:t>max(0, hi-lo</a:t>
-            </a:r>
-            <a:r>
-              <a:rPr lang="en-US" dirty="0" smtClean="0"/>
-              <a:t>), and the halting measure has decreased.</a:t>
-            </a:r>
-          </a:p>
-          <a:p>
-            <a:r>
-              <a:rPr lang="en-US" dirty="0" smtClean="0"/>
+              <a:rPr lang="en-US" dirty="0"/>
+              <a:t>So either way, we have max(0,hi1-lo1) &lt; max(0, hi-lo), and the halting measure has decreased.</a:t>
+            </a:r>
+          </a:p>
+          <a:p>
+            <a:r>
+              <a:rPr lang="en-US" dirty="0"/>
               <a:t>The other case is similar, of course.</a:t>
             </a:r>
+          </a:p>
+          <a:p>
+            <a:pPr lvl="1"/>
             <a:endParaRPr lang="en-US" dirty="0"/>
           </a:p>
           <a:p>
             <a:pPr lvl="1"/>
-            <a:endParaRPr lang="en-US" dirty="0" smtClean="0"/>
-          </a:p>
-          <a:p>
-            <a:pPr lvl="1"/>
-            <a:endParaRPr lang="en-US" dirty="0" smtClean="0"/>
+            <a:endParaRPr lang="en-US" dirty="0"/>
           </a:p>
         </p:txBody>
       </p:sp>
@@ -6330,12 +6007,14 @@
             <a:avLst/>
           </a:prstGeom>
           <a:solidFill>
-            <a:schemeClr val="accent3">
-              <a:lumMod val="40000"/>
-              <a:lumOff val="60000"/>
+            <a:schemeClr val="accent1">
+              <a:lumMod val="20000"/>
+              <a:lumOff val="80000"/>
             </a:schemeClr>
           </a:solidFill>
-          <a:ln/>
+          <a:ln>
+            <a:noFill/>
+          </a:ln>
         </p:spPr>
         <p:style>
           <a:lnRef idx="2">
@@ -6361,18 +6040,13 @@
           <a:lstStyle/>
           <a:p>
             <a:r>
-              <a:rPr lang="en-US" sz="1400" dirty="0" smtClean="0">
+              <a:rPr lang="en-US" sz="1400" dirty="0">
                 <a:solidFill>
                   <a:schemeClr val="tx1"/>
                 </a:solidFill>
               </a:rPr>
               <a:t>Yes, making this argument bullet-proof is tricky.  But this merely reflects the fact it’s easy to write sloppy binary search code that will sometimes fail to terminate. So either way you have to be careful.</a:t>
             </a:r>
-            <a:endParaRPr lang="en-US" sz="1400" dirty="0">
-              <a:solidFill>
-                <a:schemeClr val="tx1"/>
-              </a:solidFill>
-            </a:endParaRPr>
           </a:p>
         </p:txBody>
       </p:sp>
@@ -6386,13 +6060,6 @@
   <p:clrMapOvr>
     <a:masterClrMapping/>
   </p:clrMapOvr>
-  <p:timing>
-    <p:tnLst>
-      <p:par>
-        <p:cTn id="1" dur="indefinite" restart="never" nodeType="tmRoot"/>
-      </p:par>
-    </p:tnLst>
-  </p:timing>
 </p:sld>
 </file>
 
@@ -6433,10 +6100,9 @@
           <a:lstStyle/>
           <a:p>
             <a:r>
-              <a:rPr lang="en-US" dirty="0" smtClean="0"/>
+              <a:rPr lang="en-US" dirty="0"/>
               <a:t>Summary</a:t>
             </a:r>
-            <a:endParaRPr lang="en-US" dirty="0"/>
           </a:p>
         </p:txBody>
       </p:sp>
@@ -6457,11 +6123,13 @@
           </a:xfrm>
         </p:spPr>
         <p:txBody>
-          <a:bodyPr/>
-          <a:lstStyle/>
-          <a:p>
-            <a:r>
-              <a:rPr lang="en-US" dirty="0" smtClean="0"/>
+          <a:bodyPr>
+            <a:normAutofit/>
+          </a:bodyPr>
+          <a:lstStyle/>
+          <a:p>
+            <a:r>
+              <a:rPr lang="en-US" dirty="0"/>
               <a:t>You should now be able to:</a:t>
             </a:r>
           </a:p>
@@ -6469,34 +6137,29 @@
             <a:pPr lvl="1"/>
             <a:r>
               <a:rPr lang="en-US" dirty="0"/>
-              <a:t>explain </a:t>
-            </a:r>
-            <a:r>
-              <a:rPr lang="en-US" dirty="0" smtClean="0"/>
-              <a:t>what binary search is and when it is appropriate</a:t>
+              <a:t>explain what binary search is and when it is appropriate</a:t>
             </a:r>
           </a:p>
           <a:p>
             <a:pPr lvl="1"/>
             <a:r>
-              <a:rPr lang="en-US" dirty="0" smtClean="0"/>
-              <a:t>explain how the standard binary search works, and how it fits into the framework of general recursion</a:t>
+              <a:rPr lang="en-US" dirty="0"/>
+              <a:t>explain how the standard binary search works, and how it fits into the framework of general recursion, invariants, and halting functions</a:t>
             </a:r>
           </a:p>
           <a:p>
             <a:pPr lvl="1"/>
             <a:r>
-              <a:rPr lang="en-US" dirty="0" smtClean="0"/>
+              <a:rPr lang="en-US" dirty="0"/>
               <a:t>give the halting measure and explain the termination argument for binary search</a:t>
             </a:r>
           </a:p>
           <a:p>
             <a:pPr lvl="1"/>
             <a:r>
-              <a:rPr lang="en-US" dirty="0" smtClean="0"/>
+              <a:rPr lang="en-US" dirty="0"/>
               <a:t>write variations on a binary search function</a:t>
             </a:r>
-            <a:endParaRPr lang="en-US" dirty="0"/>
           </a:p>
         </p:txBody>
       </p:sp>
@@ -6534,13 +6197,6 @@
   <p:clrMapOvr>
     <a:masterClrMapping/>
   </p:clrMapOvr>
-  <p:timing>
-    <p:tnLst>
-      <p:par>
-        <p:cTn id="1" dur="indefinite" restart="never" nodeType="tmRoot"/>
-      </p:par>
-    </p:tnLst>
-  </p:timing>
 </p:sld>
 </file>
 
@@ -6577,10 +6233,9 @@
           <a:lstStyle/>
           <a:p>
             <a:r>
-              <a:rPr lang="en-US" dirty="0" smtClean="0"/>
+              <a:rPr lang="en-US" dirty="0"/>
               <a:t>Next Steps</a:t>
             </a:r>
-            <a:endParaRPr lang="en-US" dirty="0"/>
           </a:p>
         </p:txBody>
       </p:sp>
@@ -6600,36 +6255,35 @@
           <a:lstStyle/>
           <a:p>
             <a:r>
-              <a:rPr lang="en-US" dirty="0" smtClean="0"/>
+              <a:rPr lang="en-US" dirty="0"/>
               <a:t>Study the </a:t>
             </a:r>
             <a:r>
-              <a:rPr lang="en-US" smtClean="0"/>
+              <a:rPr lang="en-US"/>
               <a:t>file 08-4-binary-search.rkt </a:t>
             </a:r>
             <a:r>
-              <a:rPr lang="en-US" dirty="0" smtClean="0"/>
+              <a:rPr lang="en-US" dirty="0"/>
               <a:t>in the Examples folder</a:t>
             </a:r>
           </a:p>
           <a:p>
             <a:r>
-              <a:rPr lang="en-US" dirty="0" smtClean="0"/>
+              <a:rPr lang="en-US" dirty="0"/>
               <a:t>If you have questions about this lesson, ask them on the Discussion Board</a:t>
             </a:r>
           </a:p>
           <a:p>
             <a:r>
-              <a:rPr lang="en-US" dirty="0" smtClean="0"/>
+              <a:rPr lang="en-US" dirty="0"/>
               <a:t>Do Guided Practice 8.3</a:t>
             </a:r>
           </a:p>
           <a:p>
             <a:r>
-              <a:rPr lang="en-US" dirty="0" smtClean="0"/>
+              <a:rPr lang="en-US" dirty="0"/>
               <a:t>Go on to the next lesson</a:t>
             </a:r>
-            <a:endParaRPr lang="en-US" dirty="0"/>
           </a:p>
         </p:txBody>
       </p:sp>
@@ -6667,13 +6321,6 @@
   <p:clrMapOvr>
     <a:masterClrMapping/>
   </p:clrMapOvr>
-  <p:timing>
-    <p:tnLst>
-      <p:par>
-        <p:cTn id="1" dur="indefinite" restart="never" nodeType="tmRoot"/>
-      </p:par>
-    </p:tnLst>
-  </p:timing>
 </p:sld>
 </file>
 
@@ -6712,10 +6359,9 @@
           <a:lstStyle/>
           <a:p>
             <a:r>
-              <a:rPr lang="en-US" dirty="0" smtClean="0"/>
+              <a:rPr lang="en-US" dirty="0"/>
               <a:t>Introduction</a:t>
             </a:r>
-            <a:endParaRPr lang="en-US" dirty="0"/>
           </a:p>
         </p:txBody>
       </p:sp>
@@ -6737,16 +6383,15 @@
           <a:lstStyle/>
           <a:p>
             <a:r>
-              <a:rPr lang="en-US" dirty="0" smtClean="0"/>
+              <a:rPr lang="en-US" dirty="0"/>
               <a:t>Binary search is a classic example that illustrates general recursion</a:t>
             </a:r>
           </a:p>
           <a:p>
             <a:r>
-              <a:rPr lang="en-US" dirty="0" smtClean="0"/>
+              <a:rPr lang="en-US" dirty="0"/>
               <a:t>We will look at a function for binary search</a:t>
             </a:r>
-            <a:endParaRPr lang="en-US" dirty="0"/>
           </a:p>
         </p:txBody>
       </p:sp>
@@ -6784,13 +6429,6 @@
   <p:clrMapOvr>
     <a:masterClrMapping/>
   </p:clrMapOvr>
-  <p:timing>
-    <p:tnLst>
-      <p:par>
-        <p:cTn id="1" dur="indefinite" restart="never" nodeType="tmRoot"/>
-      </p:par>
-    </p:tnLst>
-  </p:timing>
 </p:sld>
 </file>
 
@@ -6829,10 +6467,9 @@
           <a:lstStyle/>
           <a:p>
             <a:r>
-              <a:rPr lang="en-US" dirty="0" smtClean="0"/>
+              <a:rPr lang="en-US" dirty="0"/>
               <a:t>Learning Objectives</a:t>
             </a:r>
-            <a:endParaRPr lang="en-US" dirty="0"/>
           </a:p>
         </p:txBody>
       </p:sp>
@@ -6857,7 +6494,7 @@
           <a:lstStyle/>
           <a:p>
             <a:r>
-              <a:rPr lang="en-US" dirty="0" smtClean="0"/>
+              <a:rPr lang="en-US" dirty="0"/>
               <a:t>At the end of this lesson you should be able to:</a:t>
             </a:r>
           </a:p>
@@ -6865,27 +6502,22 @@
             <a:pPr lvl="1"/>
             <a:r>
               <a:rPr lang="en-US" dirty="0"/>
-              <a:t>explain </a:t>
-            </a:r>
-            <a:r>
-              <a:rPr lang="en-US" dirty="0" smtClean="0"/>
-              <a:t>what binary search is and when it is appropriate</a:t>
+              <a:t>explain what binary search is and when it is appropriate</a:t>
             </a:r>
           </a:p>
           <a:p>
             <a:pPr lvl="1"/>
             <a:r>
-              <a:rPr lang="en-US" dirty="0" smtClean="0"/>
-              <a:t>explain how the standard binary search works, and how it fits into the framework of general recursion</a:t>
+              <a:rPr lang="en-US" dirty="0"/>
+              <a:t>explain how the standard binary search works, and how it fits into the framework of general recursion, invariants, and halting functions</a:t>
             </a:r>
           </a:p>
           <a:p>
             <a:pPr lvl="1"/>
             <a:r>
-              <a:rPr lang="en-US" dirty="0" smtClean="0"/>
+              <a:rPr lang="en-US" dirty="0"/>
               <a:t>write variations on a binary search function</a:t>
             </a:r>
-            <a:endParaRPr lang="en-US" dirty="0"/>
           </a:p>
         </p:txBody>
       </p:sp>
@@ -6923,13 +6555,6 @@
   <p:clrMapOvr>
     <a:masterClrMapping/>
   </p:clrMapOvr>
-  <p:timing>
-    <p:tnLst>
-      <p:par>
-        <p:cTn id="1" dur="indefinite" restart="never" nodeType="tmRoot"/>
-      </p:par>
-    </p:tnLst>
-  </p:timing>
 </p:sld>
 </file>
 
@@ -6966,10 +6591,9 @@
           <a:lstStyle/>
           <a:p>
             <a:r>
-              <a:rPr lang="en-US" dirty="0" smtClean="0"/>
+              <a:rPr lang="en-US" dirty="0"/>
               <a:t>Binary Search</a:t>
             </a:r>
-            <a:endParaRPr lang="en-US" dirty="0"/>
           </a:p>
         </p:txBody>
       </p:sp>
@@ -6989,58 +6613,57 @@
           <a:lstStyle/>
           <a:p>
             <a:r>
-              <a:rPr lang="en-US" dirty="0" smtClean="0"/>
+              <a:rPr lang="en-US" dirty="0"/>
               <a:t>You probably learned about binary search in an array: given an array </a:t>
             </a:r>
             <a:r>
-              <a:rPr lang="en-US" b="1" dirty="0" smtClean="0"/>
+              <a:rPr lang="en-US" b="1" dirty="0"/>
               <a:t>A[0:N]</a:t>
             </a:r>
             <a:r>
-              <a:rPr lang="en-US" dirty="0" smtClean="0"/>
+              <a:rPr lang="en-US" dirty="0"/>
               <a:t> of increasing values and a target </a:t>
             </a:r>
             <a:r>
-              <a:rPr lang="en-US" b="1" dirty="0" err="1" smtClean="0"/>
+              <a:rPr lang="en-US" b="1" dirty="0" err="1"/>
               <a:t>tgt</a:t>
             </a:r>
             <a:r>
-              <a:rPr lang="en-US" dirty="0" smtClean="0"/>
+              <a:rPr lang="en-US" dirty="0"/>
               <a:t>, find an </a:t>
             </a:r>
             <a:r>
-              <a:rPr lang="en-US" b="1" dirty="0" err="1" smtClean="0"/>
+              <a:rPr lang="en-US" b="1" dirty="0" err="1"/>
               <a:t>i</a:t>
             </a:r>
             <a:r>
-              <a:rPr lang="en-US" dirty="0" smtClean="0"/>
+              <a:rPr lang="en-US" dirty="0"/>
               <a:t> such that </a:t>
             </a:r>
             <a:r>
-              <a:rPr lang="en-US" b="1" dirty="0" smtClean="0"/>
+              <a:rPr lang="en-US" b="1" dirty="0"/>
               <a:t>A[</a:t>
             </a:r>
             <a:r>
-              <a:rPr lang="en-US" b="1" dirty="0" err="1" smtClean="0"/>
+              <a:rPr lang="en-US" b="1" dirty="0" err="1"/>
               <a:t>i</a:t>
             </a:r>
             <a:r>
-              <a:rPr lang="en-US" b="1" dirty="0" smtClean="0"/>
+              <a:rPr lang="en-US" b="1" dirty="0"/>
               <a:t>]</a:t>
             </a:r>
             <a:r>
-              <a:rPr lang="en-US" dirty="0" smtClean="0"/>
+              <a:rPr lang="en-US" dirty="0"/>
               <a:t> = </a:t>
             </a:r>
             <a:r>
-              <a:rPr lang="en-US" b="1" dirty="0" err="1" smtClean="0"/>
+              <a:rPr lang="en-US" b="1" dirty="0" err="1"/>
               <a:t>tgt</a:t>
             </a:r>
             <a:r>
-              <a:rPr lang="en-US" dirty="0" smtClean="0"/>
+              <a:rPr lang="en-US" dirty="0"/>
               <a:t>, or else report not found.</a:t>
             </a:r>
-            <a:endParaRPr lang="en-US" dirty="0"/>
           </a:p>
         </p:txBody>
       </p:sp>
@@ -7078,13 +6701,6 @@
   <p:clrMapOvr>
     <a:masterClrMapping/>
   </p:clrMapOvr>
-  <p:timing>
-    <p:tnLst>
-      <p:par>
-        <p:cTn id="1" dur="indefinite" restart="never" nodeType="tmRoot"/>
-      </p:par>
-    </p:tnLst>
-  </p:timing>
 </p:sld>
 </file>
 
@@ -7123,10 +6739,9 @@
           <a:lstStyle/>
           <a:p>
             <a:r>
-              <a:rPr lang="en-US" dirty="0" smtClean="0"/>
+              <a:rPr lang="en-US" dirty="0"/>
               <a:t>Arrays can be modeled as functions</a:t>
             </a:r>
-            <a:endParaRPr lang="en-US" dirty="0"/>
           </a:p>
         </p:txBody>
       </p:sp>
@@ -7148,13 +6763,13 @@
           <a:lstStyle/>
           <a:p>
             <a:r>
-              <a:rPr lang="en-US" dirty="0" smtClean="0"/>
+              <a:rPr lang="en-US" dirty="0"/>
               <a:t>Racket has arrays (called vectors), but we don't need them.</a:t>
             </a:r>
           </a:p>
           <a:p>
             <a:r>
-              <a:rPr lang="en-US" dirty="0" smtClean="0"/>
+              <a:rPr lang="en-US" dirty="0"/>
               <a:t>Instead of having an array, we'll have a function  </a:t>
             </a:r>
           </a:p>
@@ -7163,7 +6778,7 @@
               <a:buNone/>
             </a:pPr>
             <a:r>
-              <a:rPr lang="en-US" b="1" dirty="0" smtClean="0"/>
+              <a:rPr lang="en-US" b="1" dirty="0"/>
               <a:t>f : [0..N] -&gt; Integer</a:t>
             </a:r>
           </a:p>
@@ -7172,14 +6787,14 @@
               <a:buNone/>
             </a:pPr>
             <a:r>
-              <a:rPr lang="en-US" dirty="0" smtClean="0"/>
+              <a:rPr lang="en-US" dirty="0"/>
               <a:t>which will give the value of the array at any index.</a:t>
             </a:r>
           </a:p>
           <a:p>
             <a:pPr marL="457200" indent="-457200"/>
             <a:r>
-              <a:rPr lang="en-US" dirty="0" smtClean="0"/>
+              <a:rPr lang="en-US" dirty="0"/>
               <a:t>We will require that f be non-decreasing:  that is:</a:t>
             </a:r>
           </a:p>
@@ -7188,22 +6803,21 @@
               <a:buNone/>
             </a:pPr>
             <a:r>
-              <a:rPr lang="en-US" b="1" dirty="0" err="1" smtClean="0"/>
+              <a:rPr lang="en-US" b="1" dirty="0" err="1"/>
               <a:t>i</a:t>
             </a:r>
             <a:r>
-              <a:rPr lang="en-US" b="1" dirty="0" smtClean="0"/>
+              <a:rPr lang="en-US" b="1" dirty="0"/>
               <a:t> ≤ j implies f(</a:t>
             </a:r>
             <a:r>
-              <a:rPr lang="en-US" b="1" dirty="0" err="1" smtClean="0"/>
+              <a:rPr lang="en-US" b="1" dirty="0" err="1"/>
               <a:t>i</a:t>
             </a:r>
             <a:r>
-              <a:rPr lang="en-US" b="1" dirty="0" smtClean="0"/>
+              <a:rPr lang="en-US" b="1" dirty="0"/>
               <a:t>) ≤ f(j)</a:t>
             </a:r>
-            <a:endParaRPr lang="en-US" b="1" dirty="0"/>
           </a:p>
         </p:txBody>
       </p:sp>
@@ -7241,13 +6855,6 @@
   <p:clrMapOvr>
     <a:masterClrMapping/>
   </p:clrMapOvr>
-  <p:timing>
-    <p:tnLst>
-      <p:par>
-        <p:cTn id="1" dur="indefinite" restart="never" nodeType="tmRoot"/>
-      </p:par>
-    </p:tnLst>
-  </p:timing>
 </p:sld>
 </file>
 
@@ -7284,10 +6891,9 @@
           <a:lstStyle/>
           <a:p>
             <a:r>
-              <a:rPr lang="en-US" dirty="0" smtClean="0"/>
+              <a:rPr lang="en-US" dirty="0"/>
               <a:t>Let's do the obvious generalization</a:t>
             </a:r>
-            <a:endParaRPr lang="en-US" dirty="0"/>
           </a:p>
         </p:txBody>
       </p:sp>
@@ -7307,10 +6913,9 @@
           <a:lstStyle/>
           <a:p>
             <a:r>
-              <a:rPr lang="en-US" dirty="0" smtClean="0"/>
-              <a:t>Clearly the 0 and N don't matter, so we'll add them as arguments to our function.</a:t>
-            </a:r>
-            <a:endParaRPr lang="en-US" dirty="0"/>
+              <a:rPr lang="en-US" dirty="0"/>
+              <a:t>Clearly the our choice of 0 and N as the bounds for our search doesn't matter, so we'll add them as arguments to our function.</a:t>
+            </a:r>
           </a:p>
         </p:txBody>
       </p:sp>
@@ -7348,13 +6953,6 @@
   <p:clrMapOvr>
     <a:masterClrMapping/>
   </p:clrMapOvr>
-  <p:timing>
-    <p:tnLst>
-      <p:par>
-        <p:cTn id="1" dur="indefinite" restart="never" nodeType="tmRoot"/>
-      </p:par>
-    </p:tnLst>
-  </p:timing>
 </p:sld>
 </file>
 
@@ -7391,10 +6989,9 @@
           <a:lstStyle/>
           <a:p>
             <a:r>
-              <a:rPr lang="en-US" dirty="0" smtClean="0"/>
+              <a:rPr lang="en-US" dirty="0"/>
               <a:t>Contract and Purpose Statement</a:t>
             </a:r>
-            <a:endParaRPr lang="en-US" dirty="0"/>
           </a:p>
         </p:txBody>
       </p:sp>
@@ -7424,7 +7021,6 @@
               <a:rPr lang="en-US" sz="2400" dirty="0"/>
               <a:t>;; binary-search-loop </a:t>
             </a:r>
-            <a:endParaRPr lang="en-US" sz="2400" dirty="0" smtClean="0"/>
           </a:p>
           <a:p>
             <a:pPr>
@@ -7433,23 +7029,23 @@
               </a:spcBef>
             </a:pPr>
             <a:r>
-              <a:rPr lang="en-US" sz="2400" dirty="0" smtClean="0"/>
+              <a:rPr lang="en-US" sz="2400" dirty="0"/>
               <a:t>;;  : </a:t>
             </a:r>
             <a:r>
-              <a:rPr lang="en-US" sz="2400" dirty="0" err="1" smtClean="0"/>
+              <a:rPr lang="en-US" sz="2400" dirty="0" err="1"/>
               <a:t>NonNegInt</a:t>
             </a:r>
             <a:r>
-              <a:rPr lang="en-US" sz="2400" dirty="0" smtClean="0"/>
+              <a:rPr lang="en-US" sz="2400" dirty="0"/>
               <a:t> </a:t>
             </a:r>
             <a:r>
-              <a:rPr lang="en-US" sz="2400" dirty="0" err="1" smtClean="0"/>
+              <a:rPr lang="en-US" sz="2400" dirty="0" err="1"/>
               <a:t>NonNegInt</a:t>
             </a:r>
             <a:r>
-              <a:rPr lang="en-US" sz="2400" dirty="0" smtClean="0"/>
+              <a:rPr lang="en-US" sz="2400" dirty="0"/>
               <a:t> </a:t>
             </a:r>
           </a:p>
@@ -7460,24 +7056,16 @@
               </a:spcBef>
             </a:pPr>
             <a:r>
-              <a:rPr lang="en-US" sz="2400" dirty="0" smtClean="0"/>
+              <a:rPr lang="en-US" sz="2400" dirty="0"/>
               <a:t>;;    (</a:t>
             </a:r>
             <a:r>
-              <a:rPr lang="en-US" sz="2400" dirty="0" err="1" smtClean="0"/>
+              <a:rPr lang="en-US" sz="2400" dirty="0" err="1"/>
               <a:t>NonNegInt</a:t>
             </a:r>
             <a:r>
-              <a:rPr lang="en-US" sz="2400" dirty="0" smtClean="0"/>
-              <a:t> </a:t>
-            </a:r>
-            <a:r>
               <a:rPr lang="en-US" sz="2400" dirty="0"/>
-              <a:t>-&gt; </a:t>
-            </a:r>
-            <a:r>
-              <a:rPr lang="en-US" sz="2400" dirty="0" smtClean="0"/>
-              <a:t>Integer) </a:t>
+              <a:t> -&gt; Integer) </a:t>
             </a:r>
           </a:p>
           <a:p>
@@ -7487,7 +7075,7 @@
               </a:spcBef>
             </a:pPr>
             <a:r>
-              <a:rPr lang="en-US" sz="2400" dirty="0" smtClean="0"/>
+              <a:rPr lang="en-US" sz="2400" dirty="0"/>
               <a:t>;;    Integer</a:t>
             </a:r>
           </a:p>
@@ -7498,11 +7086,11 @@
               </a:spcBef>
             </a:pPr>
             <a:r>
-              <a:rPr lang="en-US" sz="2400" dirty="0" smtClean="0"/>
+              <a:rPr lang="en-US" sz="2400" dirty="0"/>
               <a:t>;;    -&gt; </a:t>
             </a:r>
             <a:r>
-              <a:rPr lang="en-US" sz="2400" dirty="0" err="1" smtClean="0"/>
+              <a:rPr lang="en-US" sz="2400" dirty="0" err="1"/>
               <a:t>MaybeNonNegInt</a:t>
             </a:r>
             <a:endParaRPr lang="en-US" sz="2400" dirty="0"/>
@@ -7515,11 +7103,7 @@
             </a:pPr>
             <a:r>
               <a:rPr lang="en-US" sz="2400" dirty="0"/>
-              <a:t>;; GIVEN: two numbers lo and hi, a function </a:t>
-            </a:r>
-            <a:r>
-              <a:rPr lang="en-US" sz="2400" dirty="0" smtClean="0"/>
-              <a:t>f,</a:t>
+              <a:t>;; GIVEN: two numbers lo and hi, a function f,</a:t>
             </a:r>
           </a:p>
           <a:p>
@@ -7529,18 +7113,14 @@
               </a:spcBef>
             </a:pPr>
             <a:r>
-              <a:rPr lang="en-US" sz="2400" dirty="0" smtClean="0"/>
-              <a:t>;;   </a:t>
-            </a:r>
-            <a:r>
               <a:rPr lang="en-US" sz="2400" dirty="0"/>
-              <a:t>and a target </a:t>
-            </a:r>
-            <a:r>
-              <a:rPr lang="en-US" sz="2400" dirty="0" err="1" smtClean="0"/>
+              <a:t>;;   and a target </a:t>
+            </a:r>
+            <a:r>
+              <a:rPr lang="en-US" sz="2400" dirty="0" err="1"/>
               <a:t>tgt</a:t>
             </a:r>
-            <a:endParaRPr lang="en-US" sz="2400" dirty="0" smtClean="0"/>
+            <a:endParaRPr lang="en-US" sz="2400" dirty="0"/>
           </a:p>
           <a:p>
             <a:pPr>
@@ -7552,7 +7132,6 @@
               <a:rPr lang="en-US" sz="2400" dirty="0"/>
               <a:t>;; WHERE: f is monotonic </a:t>
             </a:r>
-            <a:endParaRPr lang="en-US" sz="2400" dirty="0" smtClean="0"/>
           </a:p>
           <a:p>
             <a:pPr>
@@ -7561,7 +7140,7 @@
               </a:spcBef>
             </a:pPr>
             <a:r>
-              <a:rPr lang="en-US" sz="2400" dirty="0" smtClean="0"/>
+              <a:rPr lang="en-US" sz="2400" dirty="0"/>
               <a:t>;;         (</a:t>
             </a:r>
             <a:r>
@@ -7573,23 +7152,19 @@
               <a:t>, </a:t>
             </a:r>
             <a:r>
-              <a:rPr lang="en-US" sz="2400" dirty="0" err="1" smtClean="0"/>
+              <a:rPr lang="en-US" sz="2400" dirty="0" err="1"/>
               <a:t>i≤j</a:t>
             </a:r>
             <a:r>
-              <a:rPr lang="en-US" sz="2400" dirty="0" smtClean="0"/>
-              <a:t> </a:t>
-            </a:r>
-            <a:r>
               <a:rPr lang="en-US" sz="2400" dirty="0"/>
-              <a:t>implies f(</a:t>
+              <a:t> implies f(</a:t>
             </a:r>
             <a:r>
               <a:rPr lang="en-US" sz="2400" dirty="0" err="1"/>
               <a:t>i</a:t>
             </a:r>
             <a:r>
-              <a:rPr lang="en-US" sz="2400" dirty="0" smtClean="0"/>
+              <a:rPr lang="en-US" sz="2400" dirty="0"/>
               <a:t>)≤f(j))</a:t>
             </a:r>
           </a:p>
@@ -7600,14 +7175,13 @@
               </a:spcBef>
             </a:pPr>
             <a:r>
-              <a:rPr lang="en-US" sz="2400" smtClean="0"/>
+              <a:rPr lang="en-US" sz="2400"/>
               <a:t>;; </a:t>
             </a:r>
             <a:r>
               <a:rPr lang="en-US" sz="2400" dirty="0"/>
               <a:t>RETURNS: a number k such that lo ≤ k ≤ hi </a:t>
             </a:r>
-            <a:endParaRPr lang="en-US" sz="2400" dirty="0" smtClean="0"/>
           </a:p>
           <a:p>
             <a:pPr>
@@ -7616,12 +7190,8 @@
               </a:spcBef>
             </a:pPr>
             <a:r>
-              <a:rPr lang="en-US" sz="2400" dirty="0" smtClean="0"/>
-              <a:t>;;   and </a:t>
-            </a:r>
-            <a:r>
               <a:rPr lang="en-US" sz="2400" dirty="0"/>
-              <a:t>f(k) = </a:t>
+              <a:t>;;   and f(k) = </a:t>
             </a:r>
             <a:r>
               <a:rPr lang="en-US" sz="2400" dirty="0" err="1"/>
@@ -7640,15 +7210,7 @@
             </a:pPr>
             <a:r>
               <a:rPr lang="en-US" sz="2400" dirty="0"/>
-              <a:t>;; </a:t>
-            </a:r>
-            <a:r>
-              <a:rPr lang="en-US" sz="2400" dirty="0" smtClean="0"/>
-              <a:t>  otherwise </a:t>
-            </a:r>
-            <a:r>
-              <a:rPr lang="en-US" sz="2400" dirty="0"/>
-              <a:t>false.</a:t>
+              <a:t>;;   otherwise false.</a:t>
             </a:r>
           </a:p>
         </p:txBody>
@@ -7687,13 +7249,6 @@
   <p:clrMapOvr>
     <a:masterClrMapping/>
   </p:clrMapOvr>
-  <p:timing>
-    <p:tnLst>
-      <p:par>
-        <p:cTn id="1" dur="indefinite" restart="never" nodeType="tmRoot"/>
-      </p:par>
-    </p:tnLst>
-  </p:timing>
 </p:sld>
 </file>
 
@@ -7732,10 +7287,9 @@
           <a:lstStyle/>
           <a:p>
             <a:r>
-              <a:rPr lang="en-US" dirty="0" smtClean="0"/>
+              <a:rPr lang="en-US" dirty="0"/>
               <a:t>Once we've written that, we can write the main function</a:t>
             </a:r>
-            <a:endParaRPr lang="en-US" dirty="0"/>
           </a:p>
         </p:txBody>
       </p:sp>
@@ -7763,11 +7317,7 @@
             </a:pPr>
             <a:r>
               <a:rPr lang="en-US" sz="2000" dirty="0"/>
-              <a:t>;; binary-search </a:t>
-            </a:r>
-            <a:r>
-              <a:rPr lang="en-US" sz="2000" dirty="0" smtClean="0"/>
-              <a:t>:</a:t>
+              <a:t>;; binary-search :</a:t>
             </a:r>
           </a:p>
           <a:p>
@@ -7777,32 +7327,24 @@
               </a:spcBef>
             </a:pPr>
             <a:r>
-              <a:rPr lang="en-US" sz="2000" dirty="0" smtClean="0"/>
+              <a:rPr lang="en-US" sz="2000" dirty="0"/>
               <a:t>;;  </a:t>
             </a:r>
             <a:r>
-              <a:rPr lang="en-US" sz="2000" dirty="0" err="1" smtClean="0"/>
+              <a:rPr lang="en-US" sz="2000" dirty="0" err="1"/>
               <a:t>NonNegInt</a:t>
             </a:r>
             <a:r>
-              <a:rPr lang="en-US" sz="2000" dirty="0" smtClean="0"/>
+              <a:rPr lang="en-US" sz="2000" dirty="0"/>
               <a:t> (</a:t>
             </a:r>
             <a:r>
-              <a:rPr lang="en-US" sz="2000" dirty="0" err="1" smtClean="0"/>
+              <a:rPr lang="en-US" sz="2000" dirty="0" err="1"/>
               <a:t>NonNegInt</a:t>
             </a:r>
             <a:r>
-              <a:rPr lang="en-US" sz="2000" dirty="0" smtClean="0"/>
-              <a:t> </a:t>
-            </a:r>
-            <a:r>
               <a:rPr lang="en-US" sz="2000" dirty="0"/>
-              <a:t>-&gt; </a:t>
-            </a:r>
-            <a:r>
-              <a:rPr lang="en-US" sz="2000" dirty="0" smtClean="0"/>
-              <a:t>Integer) Integer</a:t>
+              <a:t> -&gt; Integer) Integer</a:t>
             </a:r>
           </a:p>
           <a:p>
@@ -7812,11 +7354,11 @@
               </a:spcBef>
             </a:pPr>
             <a:r>
-              <a:rPr lang="en-US" sz="2000" dirty="0" smtClean="0"/>
+              <a:rPr lang="en-US" sz="2000" dirty="0"/>
               <a:t>;;  -&gt; </a:t>
             </a:r>
             <a:r>
-              <a:rPr lang="en-US" sz="2000" dirty="0" err="1" smtClean="0"/>
+              <a:rPr lang="en-US" sz="2000" dirty="0" err="1"/>
               <a:t>MaybeNonNegInt</a:t>
             </a:r>
             <a:endParaRPr lang="en-US" sz="2000" dirty="0"/>
@@ -7831,7 +7373,6 @@
               <a:rPr lang="en-US" sz="2000" dirty="0"/>
               <a:t>;; GIVEN: a number N, </a:t>
             </a:r>
-            <a:endParaRPr lang="en-US" sz="2000" dirty="0" smtClean="0"/>
           </a:p>
           <a:p>
             <a:pPr>
@@ -7840,28 +7381,16 @@
               </a:spcBef>
             </a:pPr>
             <a:r>
-              <a:rPr lang="en-US" sz="2000" dirty="0" smtClean="0"/>
-              <a:t>;;  a </a:t>
-            </a:r>
-            <a:r>
               <a:rPr lang="en-US" sz="2000" dirty="0"/>
-              <a:t>function f : </a:t>
-            </a:r>
-            <a:r>
-              <a:rPr lang="en-US" sz="2000" dirty="0" err="1" smtClean="0"/>
+              <a:t>;;  a function f : </a:t>
+            </a:r>
+            <a:r>
+              <a:rPr lang="en-US" sz="2000" dirty="0" err="1"/>
               <a:t>NonNegInt</a:t>
             </a:r>
             <a:r>
-              <a:rPr lang="en-US" sz="2000" dirty="0" smtClean="0"/>
-              <a:t> </a:t>
-            </a:r>
-            <a:r>
               <a:rPr lang="en-US" sz="2000" dirty="0"/>
-              <a:t>-&gt; </a:t>
-            </a:r>
-            <a:r>
-              <a:rPr lang="en-US" sz="2000" dirty="0" smtClean="0"/>
-              <a:t>Integer,</a:t>
+              <a:t> -&gt; Integer,</a:t>
             </a:r>
           </a:p>
           <a:p>
@@ -7871,12 +7400,8 @@
               </a:spcBef>
             </a:pPr>
             <a:r>
-              <a:rPr lang="en-US" sz="2000" dirty="0" smtClean="0"/>
-              <a:t>;;  and </a:t>
-            </a:r>
-            <a:r>
               <a:rPr lang="en-US" sz="2000" dirty="0"/>
-              <a:t>a number </a:t>
+              <a:t>;;  and a number </a:t>
             </a:r>
             <a:r>
               <a:rPr lang="en-US" sz="2000" dirty="0" err="1"/>
@@ -7929,7 +7454,6 @@
               <a:rPr lang="en-US" sz="2000" dirty="0"/>
               <a:t>;; RETURNS: a number k such that 0 ≤ k ≤ N </a:t>
             </a:r>
-            <a:endParaRPr lang="en-US" sz="2000" dirty="0" smtClean="0"/>
           </a:p>
           <a:p>
             <a:pPr>
@@ -7938,12 +7462,8 @@
               </a:spcBef>
             </a:pPr>
             <a:r>
-              <a:rPr lang="en-US" sz="2000" dirty="0" smtClean="0"/>
-              <a:t>;;  and </a:t>
-            </a:r>
-            <a:r>
               <a:rPr lang="en-US" sz="2000" dirty="0"/>
-              <a:t>f(k) = </a:t>
+              <a:t>;;  and f(k) = </a:t>
             </a:r>
             <a:r>
               <a:rPr lang="en-US" sz="2000" dirty="0" err="1"/>
@@ -7962,15 +7482,7 @@
             </a:pPr>
             <a:r>
               <a:rPr lang="en-US" sz="2000" dirty="0"/>
-              <a:t>;; </a:t>
-            </a:r>
-            <a:r>
-              <a:rPr lang="en-US" sz="2000" dirty="0" smtClean="0"/>
-              <a:t> otherwise </a:t>
-            </a:r>
-            <a:r>
-              <a:rPr lang="en-US" sz="2000" dirty="0"/>
-              <a:t>false.</a:t>
+              <a:t>;;  otherwise false.</a:t>
             </a:r>
           </a:p>
           <a:p>
@@ -7989,13 +7501,8 @@
             </a:pPr>
             <a:r>
               <a:rPr lang="en-US" sz="2000" dirty="0"/>
-              <a:t>;; STRATEGY: </a:t>
-            </a:r>
-            <a:r>
-              <a:rPr lang="en-US" sz="2000" dirty="0" smtClean="0"/>
-              <a:t>call a more general function</a:t>
-            </a:r>
-            <a:endParaRPr lang="en-US" sz="2000" dirty="0"/>
+              <a:t>;; STRATEGY: call a more general function</a:t>
+            </a:r>
           </a:p>
           <a:p>
             <a:pPr>
@@ -8071,13 +7578,6 @@
   <p:clrMapOvr>
     <a:masterClrMapping/>
   </p:clrMapOvr>
-  <p:timing>
-    <p:tnLst>
-      <p:par>
-        <p:cTn id="1" dur="indefinite" restart="never" nodeType="tmRoot"/>
-      </p:par>
-    </p:tnLst>
-  </p:timing>
 </p:sld>
 </file>
 
@@ -8116,10 +7616,9 @@
           <a:lstStyle/>
           <a:p>
             <a:r>
-              <a:rPr lang="en-US" dirty="0" smtClean="0"/>
+              <a:rPr lang="en-US" dirty="0"/>
               <a:t>What are the easy cases for binary-search-loop?</a:t>
             </a:r>
-            <a:endParaRPr lang="en-US" dirty="0"/>
           </a:p>
         </p:txBody>
       </p:sp>
@@ -8139,53 +7638,53 @@
           <a:lstStyle/>
           <a:p>
             <a:r>
-              <a:rPr lang="en-US" dirty="0" smtClean="0"/>
+              <a:rPr lang="en-US" dirty="0"/>
               <a:t>if </a:t>
             </a:r>
             <a:r>
-              <a:rPr lang="en-US" b="1" dirty="0" smtClean="0"/>
+              <a:rPr lang="en-US" b="1" dirty="0"/>
               <a:t>lo&gt;hi</a:t>
             </a:r>
             <a:r>
-              <a:rPr lang="en-US" dirty="0" smtClean="0"/>
+              <a:rPr lang="en-US" dirty="0"/>
               <a:t>, the search range </a:t>
             </a:r>
             <a:r>
-              <a:rPr lang="en-US" b="1" dirty="0" smtClean="0"/>
+              <a:rPr lang="en-US" b="1" dirty="0"/>
               <a:t>[</a:t>
             </a:r>
             <a:r>
-              <a:rPr lang="en-US" b="1" dirty="0" err="1" smtClean="0"/>
+              <a:rPr lang="en-US" b="1" dirty="0" err="1"/>
               <a:t>lo,hi</a:t>
             </a:r>
             <a:r>
-              <a:rPr lang="en-US" b="1" dirty="0" smtClean="0"/>
+              <a:rPr lang="en-US" b="1" dirty="0"/>
               <a:t>] </a:t>
             </a:r>
             <a:r>
-              <a:rPr lang="en-US" dirty="0" smtClean="0"/>
+              <a:rPr lang="en-US" dirty="0"/>
               <a:t>is empty, so the answer must be </a:t>
             </a:r>
             <a:r>
-              <a:rPr lang="en-US" b="1" dirty="0" smtClean="0"/>
+              <a:rPr lang="en-US" b="1" dirty="0"/>
               <a:t>false</a:t>
             </a:r>
             <a:r>
-              <a:rPr lang="en-US" dirty="0" smtClean="0"/>
+              <a:rPr lang="en-US" dirty="0"/>
               <a:t>.</a:t>
             </a:r>
           </a:p>
           <a:p>
             <a:r>
-              <a:rPr lang="en-US" dirty="0" smtClean="0"/>
+              <a:rPr lang="en-US" dirty="0"/>
               <a:t>if </a:t>
             </a:r>
             <a:r>
-              <a:rPr lang="en-US" b="1" dirty="0" smtClean="0"/>
+              <a:rPr lang="en-US" b="1" dirty="0"/>
               <a:t>lo=hi</a:t>
             </a:r>
             <a:r>
-              <a:rPr lang="en-US" dirty="0" smtClean="0"/>
+              <a:rPr lang="en-US" dirty="0"/>
               <a:t>, the search range has size 1, so it's easy to figure out the answer.</a:t>
             </a:r>
           </a:p>
@@ -8231,13 +7730,6 @@
   <p:clrMapOvr>
     <a:masterClrMapping/>
   </p:clrMapOvr>
-  <p:timing>
-    <p:tnLst>
-      <p:par>
-        <p:cTn id="1" dur="indefinite" restart="never" nodeType="tmRoot"/>
-      </p:par>
-    </p:tnLst>
-  </p:timing>
 </p:sld>
 </file>
 
